--- a/WAD/lectures/140--Objects.and.DOM.pptx
+++ b/WAD/lectures/140--Objects.and.DOM.pptx
@@ -5,27 +5,31 @@
     <p:sldMasterId id="2147483648" r:id="rId1"/>
   </p:sldMasterIdLst>
   <p:notesMasterIdLst>
-    <p:notesMasterId r:id="rId20"/>
+    <p:notesMasterId r:id="rId24"/>
   </p:notesMasterIdLst>
   <p:sldIdLst>
     <p:sldId id="256" r:id="rId2"/>
     <p:sldId id="257" r:id="rId3"/>
     <p:sldId id="262" r:id="rId4"/>
-    <p:sldId id="263" r:id="rId5"/>
-    <p:sldId id="264" r:id="rId6"/>
-    <p:sldId id="265" r:id="rId7"/>
-    <p:sldId id="266" r:id="rId8"/>
-    <p:sldId id="267" r:id="rId9"/>
-    <p:sldId id="268" r:id="rId10"/>
-    <p:sldId id="269" r:id="rId11"/>
-    <p:sldId id="270" r:id="rId12"/>
-    <p:sldId id="271" r:id="rId13"/>
-    <p:sldId id="272" r:id="rId14"/>
-    <p:sldId id="273" r:id="rId15"/>
-    <p:sldId id="274" r:id="rId16"/>
-    <p:sldId id="259" r:id="rId17"/>
-    <p:sldId id="260" r:id="rId18"/>
-    <p:sldId id="261" r:id="rId19"/>
+    <p:sldId id="275" r:id="rId5"/>
+    <p:sldId id="276" r:id="rId6"/>
+    <p:sldId id="277" r:id="rId7"/>
+    <p:sldId id="263" r:id="rId8"/>
+    <p:sldId id="278" r:id="rId9"/>
+    <p:sldId id="264" r:id="rId10"/>
+    <p:sldId id="265" r:id="rId11"/>
+    <p:sldId id="266" r:id="rId12"/>
+    <p:sldId id="267" r:id="rId13"/>
+    <p:sldId id="268" r:id="rId14"/>
+    <p:sldId id="269" r:id="rId15"/>
+    <p:sldId id="270" r:id="rId16"/>
+    <p:sldId id="271" r:id="rId17"/>
+    <p:sldId id="272" r:id="rId18"/>
+    <p:sldId id="273" r:id="rId19"/>
+    <p:sldId id="274" r:id="rId20"/>
+    <p:sldId id="260" r:id="rId21"/>
+    <p:sldId id="259" r:id="rId22"/>
+    <p:sldId id="261" r:id="rId23"/>
   </p:sldIdLst>
   <p:sldSz cx="9144000" cy="6858000" type="screen4x3"/>
   <p:notesSz cx="6858000" cy="9144000"/>
@@ -290,7 +294,7 @@
         <p:nvSpPr>
           <p:cNvPr id="8196" name="Rectangle 4"/>
           <p:cNvSpPr>
-            <a:spLocks noRot="1" noChangeArrowheads="1" noTextEdit="1"/>
+            <a:spLocks noGrp="1" noRot="1" noChangeAspect="1" noChangeArrowheads="1" noTextEdit="1"/>
           </p:cNvSpPr>
           <p:nvPr>
             <p:ph type="sldImg" idx="2"/>
@@ -792,7 +796,7 @@
         <p:nvSpPr>
           <p:cNvPr id="10243" name="Rectangle 1"/>
           <p:cNvSpPr>
-            <a:spLocks noChangeArrowheads="1" noTextEdit="1"/>
+            <a:spLocks noGrp="1" noRot="1" noChangeAspect="1" noChangeArrowheads="1" noTextEdit="1"/>
           </p:cNvSpPr>
           <p:nvPr>
             <p:ph type="sldImg"/>
@@ -809,7 +813,7 @@
         <p:nvSpPr>
           <p:cNvPr id="10244" name="Rectangle 2"/>
           <p:cNvSpPr>
-            <a:spLocks noChangeArrowheads="1"/>
+            <a:spLocks noGrp="1" noChangeArrowheads="1"/>
           </p:cNvSpPr>
           <p:nvPr>
             <p:ph type="body" idx="1"/>
@@ -1029,7 +1033,7 @@
         <p:nvSpPr>
           <p:cNvPr id="12291" name="Rectangle 1"/>
           <p:cNvSpPr>
-            <a:spLocks noChangeArrowheads="1" noTextEdit="1"/>
+            <a:spLocks noGrp="1" noRot="1" noChangeAspect="1" noChangeArrowheads="1" noTextEdit="1"/>
           </p:cNvSpPr>
           <p:nvPr>
             <p:ph type="sldImg"/>
@@ -1046,7 +1050,7 @@
         <p:nvSpPr>
           <p:cNvPr id="12292" name="Rectangle 2"/>
           <p:cNvSpPr>
-            <a:spLocks noChangeArrowheads="1"/>
+            <a:spLocks noGrp="1" noChangeArrowheads="1"/>
           </p:cNvSpPr>
           <p:nvPr>
             <p:ph type="body" idx="1"/>
@@ -1122,7 +1126,7 @@
       </p:grpSpPr>
       <p:sp>
         <p:nvSpPr>
-          <p:cNvPr id="27650" name="Rectangle 7"/>
+          <p:cNvPr id="29698" name="Rectangle 7"/>
           <p:cNvSpPr>
             <a:spLocks noGrp="1" noChangeArrowheads="1"/>
           </p:cNvSpPr>
@@ -1253,10 +1257,10 @@
             </a:lvl9pPr>
           </a:lstStyle>
           <a:p>
-            <a:fld id="{52537B26-A37E-4979-A569-A9AAF930A75B}" type="slidenum">
+            <a:fld id="{98DCD7FF-4B01-4371-ABEA-FA224CC83005}" type="slidenum">
               <a:rPr lang="en-US" altLang="en-US" sz="1200"/>
               <a:pPr/>
-              <a:t>16</a:t>
+              <a:t>20</a:t>
             </a:fld>
             <a:endParaRPr lang="en-US" altLang="en-US" sz="1200"/>
           </a:p>
@@ -1264,9 +1268,9 @@
       </p:sp>
       <p:sp>
         <p:nvSpPr>
-          <p:cNvPr id="27651" name="Rectangle 1"/>
+          <p:cNvPr id="29699" name="Rectangle 1"/>
           <p:cNvSpPr>
-            <a:spLocks noChangeArrowheads="1" noTextEdit="1"/>
+            <a:spLocks noGrp="1" noRot="1" noChangeAspect="1" noChangeArrowheads="1" noTextEdit="1"/>
           </p:cNvSpPr>
           <p:nvPr>
             <p:ph type="sldImg"/>
@@ -1281,9 +1285,9 @@
       </p:sp>
       <p:sp>
         <p:nvSpPr>
-          <p:cNvPr id="27652" name="Rectangle 2"/>
+          <p:cNvPr id="29700" name="Rectangle 2"/>
           <p:cNvSpPr>
-            <a:spLocks noChangeArrowheads="1"/>
+            <a:spLocks noGrp="1" noChangeArrowheads="1"/>
           </p:cNvSpPr>
           <p:nvPr>
             <p:ph type="body" idx="1"/>
@@ -1322,7 +1326,7 @@
     </p:spTree>
     <p:extLst>
       <p:ext uri="{BB962C8B-B14F-4D97-AF65-F5344CB8AC3E}">
-        <p14:creationId xmlns:p14="http://schemas.microsoft.com/office/powerpoint/2010/main" val="1598434764"/>
+        <p14:creationId xmlns:p14="http://schemas.microsoft.com/office/powerpoint/2010/main" val="4033368157"/>
       </p:ext>
     </p:extLst>
   </p:cSld>
@@ -1359,7 +1363,7 @@
       </p:grpSpPr>
       <p:sp>
         <p:nvSpPr>
-          <p:cNvPr id="29698" name="Rectangle 7"/>
+          <p:cNvPr id="27650" name="Rectangle 7"/>
           <p:cNvSpPr>
             <a:spLocks noGrp="1" noChangeArrowheads="1"/>
           </p:cNvSpPr>
@@ -1490,10 +1494,10 @@
             </a:lvl9pPr>
           </a:lstStyle>
           <a:p>
-            <a:fld id="{98DCD7FF-4B01-4371-ABEA-FA224CC83005}" type="slidenum">
+            <a:fld id="{52537B26-A37E-4979-A569-A9AAF930A75B}" type="slidenum">
               <a:rPr lang="en-US" altLang="en-US" sz="1200"/>
               <a:pPr/>
-              <a:t>17</a:t>
+              <a:t>21</a:t>
             </a:fld>
             <a:endParaRPr lang="en-US" altLang="en-US" sz="1200"/>
           </a:p>
@@ -1501,9 +1505,9 @@
       </p:sp>
       <p:sp>
         <p:nvSpPr>
-          <p:cNvPr id="29699" name="Rectangle 1"/>
+          <p:cNvPr id="27651" name="Rectangle 1"/>
           <p:cNvSpPr>
-            <a:spLocks noChangeArrowheads="1" noTextEdit="1"/>
+            <a:spLocks noGrp="1" noRot="1" noChangeAspect="1" noChangeArrowheads="1" noTextEdit="1"/>
           </p:cNvSpPr>
           <p:nvPr>
             <p:ph type="sldImg"/>
@@ -1518,9 +1522,9 @@
       </p:sp>
       <p:sp>
         <p:nvSpPr>
-          <p:cNvPr id="29700" name="Rectangle 2"/>
+          <p:cNvPr id="27652" name="Rectangle 2"/>
           <p:cNvSpPr>
-            <a:spLocks noChangeArrowheads="1"/>
+            <a:spLocks noGrp="1" noChangeArrowheads="1"/>
           </p:cNvSpPr>
           <p:nvPr>
             <p:ph type="body" idx="1"/>
@@ -1559,7 +1563,7 @@
     </p:spTree>
     <p:extLst>
       <p:ext uri="{BB962C8B-B14F-4D97-AF65-F5344CB8AC3E}">
-        <p14:creationId xmlns:p14="http://schemas.microsoft.com/office/powerpoint/2010/main" val="4033368157"/>
+        <p14:creationId xmlns:p14="http://schemas.microsoft.com/office/powerpoint/2010/main" val="1598434764"/>
       </p:ext>
     </p:extLst>
   </p:cSld>
@@ -1730,7 +1734,7 @@
             <a:fld id="{8842CD3E-C0A1-41BB-92E4-764AD83F84F6}" type="slidenum">
               <a:rPr lang="en-US" altLang="en-US" sz="1200"/>
               <a:pPr/>
-              <a:t>18</a:t>
+              <a:t>22</a:t>
             </a:fld>
             <a:endParaRPr lang="en-US" altLang="en-US" sz="1200"/>
           </a:p>
@@ -1740,7 +1744,7 @@
         <p:nvSpPr>
           <p:cNvPr id="31747" name="Rectangle 1"/>
           <p:cNvSpPr>
-            <a:spLocks noChangeArrowheads="1" noTextEdit="1"/>
+            <a:spLocks noGrp="1" noRot="1" noChangeAspect="1" noChangeArrowheads="1" noTextEdit="1"/>
           </p:cNvSpPr>
           <p:nvPr>
             <p:ph type="sldImg"/>
@@ -1757,7 +1761,7 @@
         <p:nvSpPr>
           <p:cNvPr id="31748" name="Rectangle 2"/>
           <p:cNvSpPr>
-            <a:spLocks noChangeArrowheads="1"/>
+            <a:spLocks noGrp="1" noChangeArrowheads="1"/>
           </p:cNvSpPr>
           <p:nvPr>
             <p:ph type="body" idx="1"/>
@@ -2060,7 +2064,7 @@
               <a:pPr>
                 <a:defRPr/>
               </a:pPr>
-              <a:t>10/28/2017</a:t>
+              <a:t>12/24/2017</a:t>
             </a:fld>
             <a:endParaRPr lang="en-US" altLang="en-US"/>
           </a:p>
@@ -2298,7 +2302,7 @@
               <a:pPr>
                 <a:defRPr/>
               </a:pPr>
-              <a:t>10/28/2017</a:t>
+              <a:t>12/24/2017</a:t>
             </a:fld>
             <a:endParaRPr lang="en-US" altLang="en-US"/>
           </a:p>
@@ -3175,7 +3179,7 @@
               <a:pPr>
                 <a:defRPr/>
               </a:pPr>
-              <a:t>10/28/2017</a:t>
+              <a:t>12/24/2017</a:t>
             </a:fld>
             <a:endParaRPr lang="en-US" altLang="en-US"/>
           </a:p>
@@ -3328,7 +3332,7 @@
               <a:pPr>
                 <a:defRPr/>
               </a:pPr>
-              <a:t>10/28/2017</a:t>
+              <a:t>12/24/2017</a:t>
             </a:fld>
             <a:endParaRPr lang="en-US" altLang="en-US"/>
           </a:p>
@@ -3663,7 +3667,7 @@
               <a:pPr>
                 <a:defRPr/>
               </a:pPr>
-              <a:t>10/28/2017</a:t>
+              <a:t>12/24/2017</a:t>
             </a:fld>
             <a:endParaRPr lang="en-US" altLang="en-US"/>
           </a:p>
@@ -3975,7 +3979,7 @@
               <a:pPr>
                 <a:defRPr/>
               </a:pPr>
-              <a:t>10/28/2017</a:t>
+              <a:t>12/24/2017</a:t>
             </a:fld>
             <a:endParaRPr lang="en-US" altLang="en-US"/>
           </a:p>
@@ -5654,7 +5658,7 @@
       </p:grpSpPr>
       <p:sp>
         <p:nvSpPr>
-          <p:cNvPr id="20482" name="Title 1"/>
+          <p:cNvPr id="16386" name="Title 1"/>
           <p:cNvSpPr>
             <a:spLocks noGrp="1"/>
           </p:cNvSpPr>
@@ -5668,15 +5672,15 @@
           <a:lstStyle/>
           <a:p>
             <a:r>
-              <a:rPr lang="en-GB" altLang="en-US" smtClean="0"/>
-              <a:t>DOM Methods</a:t>
+              <a:rPr lang="en-GB" altLang="en-US" dirty="0" smtClean="0"/>
+              <a:t>Example</a:t>
             </a:r>
           </a:p>
         </p:txBody>
       </p:sp>
       <p:sp>
         <p:nvSpPr>
-          <p:cNvPr id="20483" name="Content Placeholder 2"/>
+          <p:cNvPr id="16387" name="Content Placeholder 2"/>
           <p:cNvSpPr>
             <a:spLocks noGrp="1"/>
           </p:cNvSpPr>
@@ -5689,13 +5693,64 @@
           <a:bodyPr/>
           <a:lstStyle/>
           <a:p>
-            <a:r>
-              <a:rPr lang="en-GB" altLang="en-US" smtClean="0"/>
-              <a:t>The getElementById() and getElementsByTagName() were the two methods from DOM standard and the HTML5 specification adds three new methods for accessing elements, getElementsByClassName(), querySelector(), and querySelectorAll().</a:t>
-            </a:r>
+            <a:endParaRPr lang="en-US" altLang="en-US" smtClean="0"/>
           </a:p>
         </p:txBody>
       </p:sp>
+      <p:pic>
+        <p:nvPicPr>
+          <p:cNvPr id="16388" name="Picture 3"/>
+          <p:cNvPicPr>
+            <a:picLocks noChangeAspect="1"/>
+          </p:cNvPicPr>
+          <p:nvPr/>
+        </p:nvPicPr>
+        <p:blipFill>
+          <a:blip r:embed="rId2">
+            <a:extLst>
+              <a:ext uri="{28A0092B-C50C-407E-A947-70E740481C1C}">
+                <a14:useLocalDpi xmlns:a14="http://schemas.microsoft.com/office/drawing/2010/main" val="0"/>
+              </a:ext>
+            </a:extLst>
+          </a:blip>
+          <a:srcRect/>
+          <a:stretch>
+            <a:fillRect/>
+          </a:stretch>
+        </p:blipFill>
+        <p:spPr bwMode="auto">
+          <a:xfrm>
+            <a:off x="769938" y="1751013"/>
+            <a:ext cx="7600950" cy="3648075"/>
+          </a:xfrm>
+          <a:prstGeom prst="rect">
+            <a:avLst/>
+          </a:prstGeom>
+          <a:noFill/>
+          <a:ln>
+            <a:noFill/>
+          </a:ln>
+          <a:extLst>
+            <a:ext uri="{909E8E84-426E-40DD-AFC4-6F175D3DCCD1}">
+              <a14:hiddenFill xmlns:a14="http://schemas.microsoft.com/office/drawing/2010/main">
+                <a:solidFill>
+                  <a:srgbClr val="FFFFFF"/>
+                </a:solidFill>
+              </a14:hiddenFill>
+            </a:ext>
+            <a:ext uri="{91240B29-F687-4F45-9708-019B960494DF}">
+              <a14:hiddenLine xmlns:a14="http://schemas.microsoft.com/office/drawing/2010/main" w="9525">
+                <a:solidFill>
+                  <a:srgbClr val="000000"/>
+                </a:solidFill>
+                <a:miter lim="800000"/>
+                <a:headEnd/>
+                <a:tailEnd/>
+              </a14:hiddenLine>
+            </a:ext>
+          </a:extLst>
+        </p:spPr>
+      </p:pic>
     </p:spTree>
   </p:cSld>
   <p:clrMapOvr>
@@ -5723,12 +5778,50 @@
       </p:grpSpPr>
       <p:sp>
         <p:nvSpPr>
-          <p:cNvPr id="21506" name="Title 1"/>
+          <p:cNvPr id="17410" name="Title 1"/>
           <p:cNvSpPr>
             <a:spLocks noGrp="1"/>
           </p:cNvSpPr>
           <p:nvPr>
             <p:ph type="title"/>
+          </p:nvPr>
+        </p:nvSpPr>
+        <p:spPr>
+          <a:xfrm>
+            <a:off x="685800" y="381000"/>
+            <a:ext cx="7772400" cy="1143000"/>
+          </a:xfrm>
+        </p:spPr>
+        <p:txBody>
+          <a:bodyPr/>
+          <a:lstStyle/>
+          <a:p>
+            <a:r>
+              <a:rPr lang="en-GB" altLang="en-US" dirty="0" smtClean="0"/>
+              <a:t>Example</a:t>
+            </a:r>
+            <a:br>
+              <a:rPr lang="en-GB" altLang="en-US" dirty="0" smtClean="0"/>
+            </a:br>
+            <a:r>
+              <a:rPr lang="en-GB" altLang="en-US" dirty="0" smtClean="0"/>
+              <a:t>Document </a:t>
+            </a:r>
+            <a:r>
+              <a:rPr lang="en-GB" altLang="en-US" dirty="0" smtClean="0"/>
+              <a:t>Object Model</a:t>
+            </a:r>
+          </a:p>
+        </p:txBody>
+      </p:sp>
+      <p:sp>
+        <p:nvSpPr>
+          <p:cNvPr id="17411" name="Content Placeholder 2"/>
+          <p:cNvSpPr>
+            <a:spLocks noGrp="1"/>
+          </p:cNvSpPr>
+          <p:nvPr>
+            <p:ph idx="1"/>
           </p:nvPr>
         </p:nvSpPr>
         <p:spPr/>
@@ -5736,35 +5829,64 @@
           <a:bodyPr/>
           <a:lstStyle/>
           <a:p>
-            <a:r>
-              <a:rPr lang="en-GB" altLang="en-US" smtClean="0"/>
-              <a:t>getElementbyId()</a:t>
-            </a:r>
+            <a:endParaRPr lang="en-US" altLang="en-US" smtClean="0"/>
           </a:p>
         </p:txBody>
       </p:sp>
-      <p:sp>
-        <p:nvSpPr>
-          <p:cNvPr id="21507" name="Content Placeholder 2"/>
-          <p:cNvSpPr>
-            <a:spLocks noGrp="1"/>
-          </p:cNvSpPr>
-          <p:nvPr>
-            <p:ph idx="1"/>
-          </p:nvPr>
-        </p:nvSpPr>
-        <p:spPr/>
-        <p:txBody>
-          <a:bodyPr/>
-          <a:lstStyle/>
-          <a:p>
-            <a:r>
-              <a:rPr lang="en-GB" altLang="en-US" smtClean="0"/>
-              <a:t>Typically you want to access an element within the DOM directly and try to do something with it. Javascript provides a document.getElementById() method, which is the easiest way to access an element from the DOM tree structure. It will return the element that has the ID attribute with the specified value.</a:t>
-            </a:r>
-          </a:p>
-        </p:txBody>
-      </p:sp>
+      <p:pic>
+        <p:nvPicPr>
+          <p:cNvPr id="17412" name="Picture 2" descr="Javascript Document Object Model"/>
+          <p:cNvPicPr>
+            <a:picLocks noChangeAspect="1" noChangeArrowheads="1"/>
+          </p:cNvPicPr>
+          <p:nvPr/>
+        </p:nvPicPr>
+        <p:blipFill>
+          <a:blip r:embed="rId2">
+            <a:extLst>
+              <a:ext uri="{28A0092B-C50C-407E-A947-70E740481C1C}">
+                <a14:useLocalDpi xmlns:a14="http://schemas.microsoft.com/office/drawing/2010/main" val="0"/>
+              </a:ext>
+            </a:extLst>
+          </a:blip>
+          <a:srcRect/>
+          <a:stretch>
+            <a:fillRect/>
+          </a:stretch>
+        </p:blipFill>
+        <p:spPr bwMode="auto">
+          <a:xfrm>
+            <a:off x="1331913" y="1768475"/>
+            <a:ext cx="6238875" cy="4725988"/>
+          </a:xfrm>
+          <a:prstGeom prst="rect">
+            <a:avLst/>
+          </a:prstGeom>
+          <a:noFill/>
+          <a:ln>
+            <a:noFill/>
+          </a:ln>
+          <a:extLst>
+            <a:ext uri="{909E8E84-426E-40DD-AFC4-6F175D3DCCD1}">
+              <a14:hiddenFill xmlns:a14="http://schemas.microsoft.com/office/drawing/2010/main">
+                <a:solidFill>
+                  <a:srgbClr val="FFFFFF"/>
+                </a:solidFill>
+              </a14:hiddenFill>
+            </a:ext>
+            <a:ext uri="{91240B29-F687-4F45-9708-019B960494DF}">
+              <a14:hiddenLine xmlns:a14="http://schemas.microsoft.com/office/drawing/2010/main" w="9525">
+                <a:solidFill>
+                  <a:srgbClr val="000000"/>
+                </a:solidFill>
+                <a:miter lim="800000"/>
+                <a:headEnd/>
+                <a:tailEnd/>
+              </a14:hiddenLine>
+            </a:ext>
+          </a:extLst>
+        </p:spPr>
+      </p:pic>
     </p:spTree>
   </p:cSld>
   <p:clrMapOvr>
@@ -5774,6 +5896,528 @@
 </file>
 
 <file path=ppt/slides/slide12.xml><?xml version="1.0" encoding="utf-8"?>
+<p:sld xmlns:a="http://schemas.openxmlformats.org/drawingml/2006/main" xmlns:r="http://schemas.openxmlformats.org/officeDocument/2006/relationships" xmlns:p="http://schemas.openxmlformats.org/presentationml/2006/main">
+  <p:cSld>
+    <p:spTree>
+      <p:nvGrpSpPr>
+        <p:cNvPr id="1" name=""/>
+        <p:cNvGrpSpPr/>
+        <p:nvPr/>
+      </p:nvGrpSpPr>
+      <p:grpSpPr>
+        <a:xfrm>
+          <a:off x="0" y="0"/>
+          <a:ext cx="0" cy="0"/>
+          <a:chOff x="0" y="0"/>
+          <a:chExt cx="0" cy="0"/>
+        </a:xfrm>
+      </p:grpSpPr>
+      <p:sp>
+        <p:nvSpPr>
+          <p:cNvPr id="18434" name="Title 1"/>
+          <p:cNvSpPr>
+            <a:spLocks noGrp="1"/>
+          </p:cNvSpPr>
+          <p:nvPr>
+            <p:ph type="title"/>
+          </p:nvPr>
+        </p:nvSpPr>
+        <p:spPr/>
+        <p:txBody>
+          <a:bodyPr/>
+          <a:lstStyle/>
+          <a:p>
+            <a:r>
+              <a:rPr lang="en-GB" altLang="en-US" smtClean="0"/>
+              <a:t>Nodes</a:t>
+            </a:r>
+          </a:p>
+        </p:txBody>
+      </p:sp>
+      <p:sp>
+        <p:nvSpPr>
+          <p:cNvPr id="18435" name="Content Placeholder 2"/>
+          <p:cNvSpPr>
+            <a:spLocks noGrp="1"/>
+          </p:cNvSpPr>
+          <p:nvPr>
+            <p:ph idx="1"/>
+          </p:nvPr>
+        </p:nvSpPr>
+        <p:spPr/>
+        <p:txBody>
+          <a:bodyPr/>
+          <a:lstStyle/>
+          <a:p>
+            <a:r>
+              <a:rPr lang="en-GB" altLang="en-US" dirty="0" smtClean="0"/>
+              <a:t>Nodes within the DOM are represented by array-like node lists and the individual nodes themselves can be accessed via their </a:t>
+            </a:r>
+            <a:r>
+              <a:rPr lang="en-GB" altLang="en-US" dirty="0" smtClean="0"/>
+              <a:t>index</a:t>
+            </a:r>
+          </a:p>
+          <a:p>
+            <a:r>
+              <a:rPr lang="en-GB" altLang="en-US" dirty="0" smtClean="0"/>
+              <a:t>Using </a:t>
+            </a:r>
+            <a:r>
+              <a:rPr lang="en-GB" altLang="en-US" dirty="0" smtClean="0"/>
+              <a:t>the above tree of nodes, you can </a:t>
+            </a:r>
+            <a:r>
+              <a:rPr lang="en-GB" altLang="en-US" dirty="0" smtClean="0">
+                <a:solidFill>
+                  <a:srgbClr val="FF0000"/>
+                </a:solidFill>
+              </a:rPr>
+              <a:t>access any element in the DOM</a:t>
+            </a:r>
+          </a:p>
+        </p:txBody>
+      </p:sp>
+    </p:spTree>
+  </p:cSld>
+  <p:clrMapOvr>
+    <a:masterClrMapping/>
+  </p:clrMapOvr>
+</p:sld>
+</file>
+
+<file path=ppt/slides/slide13.xml><?xml version="1.0" encoding="utf-8"?>
+<p:sld xmlns:a="http://schemas.openxmlformats.org/drawingml/2006/main" xmlns:r="http://schemas.openxmlformats.org/officeDocument/2006/relationships" xmlns:p="http://schemas.openxmlformats.org/presentationml/2006/main">
+  <p:cSld>
+    <p:spTree>
+      <p:nvGrpSpPr>
+        <p:cNvPr id="1" name=""/>
+        <p:cNvGrpSpPr/>
+        <p:nvPr/>
+      </p:nvGrpSpPr>
+      <p:grpSpPr>
+        <a:xfrm>
+          <a:off x="0" y="0"/>
+          <a:ext cx="0" cy="0"/>
+          <a:chOff x="0" y="0"/>
+          <a:chExt cx="0" cy="0"/>
+        </a:xfrm>
+      </p:grpSpPr>
+      <p:sp>
+        <p:nvSpPr>
+          <p:cNvPr id="19458" name="Title 1"/>
+          <p:cNvSpPr>
+            <a:spLocks noGrp="1"/>
+          </p:cNvSpPr>
+          <p:nvPr>
+            <p:ph type="title"/>
+          </p:nvPr>
+        </p:nvSpPr>
+        <p:spPr/>
+        <p:txBody>
+          <a:bodyPr/>
+          <a:lstStyle/>
+          <a:p>
+            <a:r>
+              <a:rPr lang="en-GB" altLang="en-US" smtClean="0"/>
+              <a:t>Example</a:t>
+            </a:r>
+          </a:p>
+        </p:txBody>
+      </p:sp>
+      <p:sp>
+        <p:nvSpPr>
+          <p:cNvPr id="3" name="Content Placeholder 2"/>
+          <p:cNvSpPr>
+            <a:spLocks noGrp="1"/>
+          </p:cNvSpPr>
+          <p:nvPr>
+            <p:ph idx="1"/>
+          </p:nvPr>
+        </p:nvSpPr>
+        <p:spPr/>
+        <p:txBody>
+          <a:bodyPr>
+            <a:normAutofit fontScale="92500" lnSpcReduction="20000"/>
+          </a:bodyPr>
+          <a:lstStyle/>
+          <a:p>
+            <a:pPr>
+              <a:defRPr/>
+            </a:pPr>
+            <a:r>
+              <a:rPr lang="en-GB" b="1" dirty="0" err="1" smtClean="0"/>
+              <a:t>document.childNodes</a:t>
+            </a:r>
+            <a:r>
+              <a:rPr lang="en-GB" b="1" dirty="0" smtClean="0"/>
+              <a:t>[1]</a:t>
+            </a:r>
+            <a:endParaRPr lang="en-GB" dirty="0" smtClean="0"/>
+          </a:p>
+          <a:p>
+            <a:pPr lvl="1">
+              <a:defRPr/>
+            </a:pPr>
+            <a:r>
+              <a:rPr lang="en-GB" dirty="0" smtClean="0"/>
+              <a:t>represents the </a:t>
+            </a:r>
+            <a:r>
+              <a:rPr lang="en-GB" dirty="0" err="1" smtClean="0"/>
+              <a:t>HTMLElement</a:t>
+            </a:r>
+            <a:r>
+              <a:rPr lang="en-GB" dirty="0" smtClean="0"/>
+              <a:t>, that is &lt; html &gt; tag.</a:t>
+            </a:r>
+          </a:p>
+          <a:p>
+            <a:pPr>
+              <a:defRPr/>
+            </a:pPr>
+            <a:r>
+              <a:rPr lang="en-GB" b="1" dirty="0" err="1" smtClean="0"/>
+              <a:t>document.childNodes</a:t>
+            </a:r>
+            <a:r>
+              <a:rPr lang="en-GB" b="1" dirty="0" smtClean="0"/>
+              <a:t>[1].</a:t>
+            </a:r>
+            <a:r>
+              <a:rPr lang="en-GB" b="1" dirty="0" err="1" smtClean="0"/>
+              <a:t>childNodes</a:t>
+            </a:r>
+            <a:r>
+              <a:rPr lang="en-GB" b="1" dirty="0" smtClean="0"/>
+              <a:t>[1]</a:t>
+            </a:r>
+            <a:endParaRPr lang="en-GB" dirty="0" smtClean="0"/>
+          </a:p>
+          <a:p>
+            <a:pPr lvl="1">
+              <a:defRPr/>
+            </a:pPr>
+            <a:r>
+              <a:rPr lang="en-GB" dirty="0" smtClean="0"/>
+              <a:t>represents </a:t>
+            </a:r>
+            <a:r>
+              <a:rPr lang="en-GB" dirty="0" err="1" smtClean="0"/>
+              <a:t>HTMLBodyElement</a:t>
+            </a:r>
+            <a:r>
+              <a:rPr lang="en-GB" dirty="0" smtClean="0"/>
+              <a:t>, that is &lt; body &gt; tag.</a:t>
+            </a:r>
+          </a:p>
+          <a:p>
+            <a:pPr>
+              <a:defRPr/>
+            </a:pPr>
+            <a:r>
+              <a:rPr lang="en-GB" b="1" dirty="0" err="1" smtClean="0"/>
+              <a:t>document.childNodes</a:t>
+            </a:r>
+            <a:r>
+              <a:rPr lang="en-GB" b="1" dirty="0" smtClean="0"/>
+              <a:t>[1].</a:t>
+            </a:r>
+            <a:r>
+              <a:rPr lang="en-GB" b="1" dirty="0" err="1" smtClean="0"/>
+              <a:t>childNodes</a:t>
+            </a:r>
+            <a:r>
+              <a:rPr lang="en-GB" b="1" dirty="0" smtClean="0"/>
+              <a:t>[1].</a:t>
+            </a:r>
+            <a:r>
+              <a:rPr lang="en-GB" b="1" dirty="0" err="1" smtClean="0"/>
+              <a:t>childNodes</a:t>
+            </a:r>
+            <a:r>
+              <a:rPr lang="en-GB" b="1" dirty="0" smtClean="0"/>
+              <a:t>[1]</a:t>
+            </a:r>
+            <a:endParaRPr lang="en-GB" dirty="0" smtClean="0"/>
+          </a:p>
+          <a:p>
+            <a:pPr lvl="1">
+              <a:defRPr/>
+            </a:pPr>
+            <a:r>
+              <a:rPr lang="en-GB" dirty="0" smtClean="0"/>
+              <a:t>represents </a:t>
+            </a:r>
+            <a:r>
+              <a:rPr lang="en-GB" dirty="0" err="1" smtClean="0"/>
+              <a:t>HTMLHeadingElement</a:t>
+            </a:r>
+            <a:r>
+              <a:rPr lang="en-GB" dirty="0" smtClean="0"/>
+              <a:t>, that is &lt; h1 &gt; tag</a:t>
+            </a:r>
+          </a:p>
+          <a:p>
+            <a:pPr>
+              <a:defRPr/>
+            </a:pPr>
+            <a:endParaRPr lang="en-GB" dirty="0" smtClean="0"/>
+          </a:p>
+        </p:txBody>
+      </p:sp>
+    </p:spTree>
+  </p:cSld>
+  <p:clrMapOvr>
+    <a:masterClrMapping/>
+  </p:clrMapOvr>
+</p:sld>
+</file>
+
+<file path=ppt/slides/slide14.xml><?xml version="1.0" encoding="utf-8"?>
+<p:sld xmlns:a="http://schemas.openxmlformats.org/drawingml/2006/main" xmlns:r="http://schemas.openxmlformats.org/officeDocument/2006/relationships" xmlns:p="http://schemas.openxmlformats.org/presentationml/2006/main">
+  <p:cSld>
+    <p:spTree>
+      <p:nvGrpSpPr>
+        <p:cNvPr id="1" name=""/>
+        <p:cNvGrpSpPr/>
+        <p:nvPr/>
+      </p:nvGrpSpPr>
+      <p:grpSpPr>
+        <a:xfrm>
+          <a:off x="0" y="0"/>
+          <a:ext cx="0" cy="0"/>
+          <a:chOff x="0" y="0"/>
+          <a:chExt cx="0" cy="0"/>
+        </a:xfrm>
+      </p:grpSpPr>
+      <p:sp>
+        <p:nvSpPr>
+          <p:cNvPr id="20482" name="Title 1"/>
+          <p:cNvSpPr>
+            <a:spLocks noGrp="1"/>
+          </p:cNvSpPr>
+          <p:nvPr>
+            <p:ph type="title"/>
+          </p:nvPr>
+        </p:nvSpPr>
+        <p:spPr/>
+        <p:txBody>
+          <a:bodyPr/>
+          <a:lstStyle/>
+          <a:p>
+            <a:r>
+              <a:rPr lang="en-GB" altLang="en-US" smtClean="0"/>
+              <a:t>DOM Methods</a:t>
+            </a:r>
+          </a:p>
+        </p:txBody>
+      </p:sp>
+      <p:sp>
+        <p:nvSpPr>
+          <p:cNvPr id="20483" name="Content Placeholder 2"/>
+          <p:cNvSpPr>
+            <a:spLocks noGrp="1"/>
+          </p:cNvSpPr>
+          <p:nvPr>
+            <p:ph idx="1"/>
+          </p:nvPr>
+        </p:nvSpPr>
+        <p:spPr/>
+        <p:txBody>
+          <a:bodyPr/>
+          <a:lstStyle/>
+          <a:p>
+            <a:r>
+              <a:rPr lang="en-GB" altLang="en-US" dirty="0" smtClean="0"/>
+              <a:t>The </a:t>
+            </a:r>
+            <a:r>
+              <a:rPr lang="en-GB" altLang="en-US" dirty="0" err="1" smtClean="0"/>
+              <a:t>getElementById</a:t>
+            </a:r>
+            <a:r>
+              <a:rPr lang="en-GB" altLang="en-US" dirty="0" smtClean="0"/>
+              <a:t>() and </a:t>
+            </a:r>
+            <a:r>
+              <a:rPr lang="en-GB" altLang="en-US" dirty="0" err="1" smtClean="0"/>
+              <a:t>getElementsByTagName</a:t>
+            </a:r>
+            <a:r>
+              <a:rPr lang="en-GB" altLang="en-US" dirty="0" smtClean="0"/>
+              <a:t>() were the two methods from DOM </a:t>
+            </a:r>
+            <a:r>
+              <a:rPr lang="en-GB" altLang="en-US" dirty="0" smtClean="0"/>
+              <a:t>standard</a:t>
+            </a:r>
+          </a:p>
+          <a:p>
+            <a:r>
+              <a:rPr lang="en-GB" altLang="en-US" dirty="0" smtClean="0"/>
+              <a:t>HTML5 </a:t>
+            </a:r>
+            <a:r>
+              <a:rPr lang="en-GB" altLang="en-US" dirty="0" smtClean="0"/>
+              <a:t>specification adds three new methods for accessing elements, </a:t>
+            </a:r>
+            <a:r>
+              <a:rPr lang="en-GB" altLang="en-US" dirty="0" err="1" smtClean="0"/>
+              <a:t>getElementsByClassName</a:t>
+            </a:r>
+            <a:r>
+              <a:rPr lang="en-GB" altLang="en-US" dirty="0" smtClean="0"/>
+              <a:t>(), </a:t>
+            </a:r>
+            <a:r>
+              <a:rPr lang="en-GB" altLang="en-US" dirty="0" err="1" smtClean="0"/>
+              <a:t>querySelector</a:t>
+            </a:r>
+            <a:r>
+              <a:rPr lang="en-GB" altLang="en-US" dirty="0" smtClean="0"/>
+              <a:t>(), and </a:t>
+            </a:r>
+            <a:r>
+              <a:rPr lang="en-GB" altLang="en-US" dirty="0" err="1" smtClean="0"/>
+              <a:t>querySelectorAll</a:t>
+            </a:r>
+            <a:r>
+              <a:rPr lang="en-GB" altLang="en-US" dirty="0" smtClean="0"/>
+              <a:t>()</a:t>
+            </a:r>
+            <a:endParaRPr lang="en-GB" altLang="en-US" dirty="0" smtClean="0"/>
+          </a:p>
+        </p:txBody>
+      </p:sp>
+    </p:spTree>
+  </p:cSld>
+  <p:clrMapOvr>
+    <a:masterClrMapping/>
+  </p:clrMapOvr>
+</p:sld>
+</file>
+
+<file path=ppt/slides/slide15.xml><?xml version="1.0" encoding="utf-8"?>
+<p:sld xmlns:a="http://schemas.openxmlformats.org/drawingml/2006/main" xmlns:r="http://schemas.openxmlformats.org/officeDocument/2006/relationships" xmlns:p="http://schemas.openxmlformats.org/presentationml/2006/main">
+  <p:cSld>
+    <p:spTree>
+      <p:nvGrpSpPr>
+        <p:cNvPr id="1" name=""/>
+        <p:cNvGrpSpPr/>
+        <p:nvPr/>
+      </p:nvGrpSpPr>
+      <p:grpSpPr>
+        <a:xfrm>
+          <a:off x="0" y="0"/>
+          <a:ext cx="0" cy="0"/>
+          <a:chOff x="0" y="0"/>
+          <a:chExt cx="0" cy="0"/>
+        </a:xfrm>
+      </p:grpSpPr>
+      <p:sp>
+        <p:nvSpPr>
+          <p:cNvPr id="21506" name="Title 1"/>
+          <p:cNvSpPr>
+            <a:spLocks noGrp="1"/>
+          </p:cNvSpPr>
+          <p:nvPr>
+            <p:ph type="title"/>
+          </p:nvPr>
+        </p:nvSpPr>
+        <p:spPr>
+          <a:xfrm>
+            <a:off x="685800" y="0"/>
+            <a:ext cx="7772400" cy="1143000"/>
+          </a:xfrm>
+        </p:spPr>
+        <p:txBody>
+          <a:bodyPr/>
+          <a:lstStyle/>
+          <a:p>
+            <a:r>
+              <a:rPr lang="en-GB" altLang="en-US" smtClean="0"/>
+              <a:t>getElementbyId()</a:t>
+            </a:r>
+          </a:p>
+        </p:txBody>
+      </p:sp>
+      <p:sp>
+        <p:nvSpPr>
+          <p:cNvPr id="21507" name="Content Placeholder 2"/>
+          <p:cNvSpPr>
+            <a:spLocks noGrp="1"/>
+          </p:cNvSpPr>
+          <p:nvPr>
+            <p:ph idx="1"/>
+          </p:nvPr>
+        </p:nvSpPr>
+        <p:spPr>
+          <a:xfrm>
+            <a:off x="685800" y="1371600"/>
+            <a:ext cx="7772400" cy="4419600"/>
+          </a:xfrm>
+        </p:spPr>
+        <p:txBody>
+          <a:bodyPr/>
+          <a:lstStyle/>
+          <a:p>
+            <a:r>
+              <a:rPr lang="en-GB" altLang="en-US" dirty="0" smtClean="0"/>
+              <a:t>Typically you want to access an element within the DOM directly and try to do something with </a:t>
+            </a:r>
+            <a:r>
+              <a:rPr lang="en-GB" altLang="en-US" dirty="0" smtClean="0"/>
+              <a:t>it</a:t>
+            </a:r>
+          </a:p>
+          <a:p>
+            <a:r>
+              <a:rPr lang="en-GB" altLang="en-US" dirty="0" err="1" smtClean="0"/>
+              <a:t>Javascript</a:t>
+            </a:r>
+            <a:r>
+              <a:rPr lang="en-GB" altLang="en-US" dirty="0" smtClean="0"/>
+              <a:t> </a:t>
+            </a:r>
+            <a:r>
+              <a:rPr lang="en-GB" altLang="en-US" dirty="0" smtClean="0"/>
+              <a:t>provides a </a:t>
+            </a:r>
+            <a:r>
+              <a:rPr lang="en-GB" altLang="en-US" dirty="0" err="1" smtClean="0"/>
+              <a:t>document.getElementById</a:t>
+            </a:r>
+            <a:r>
+              <a:rPr lang="en-GB" altLang="en-US" dirty="0" smtClean="0"/>
+              <a:t>() method, which is the easiest way to access an element from the DOM tree </a:t>
+            </a:r>
+            <a:r>
+              <a:rPr lang="en-GB" altLang="en-US" dirty="0" smtClean="0"/>
+              <a:t>structure</a:t>
+            </a:r>
+          </a:p>
+          <a:p>
+            <a:r>
+              <a:rPr lang="en-GB" altLang="en-US" dirty="0" smtClean="0"/>
+              <a:t>It </a:t>
+            </a:r>
+            <a:r>
+              <a:rPr lang="en-GB" altLang="en-US" dirty="0" smtClean="0"/>
+              <a:t>will return the element that has the ID attribute with the specified value.</a:t>
+            </a:r>
+          </a:p>
+        </p:txBody>
+      </p:sp>
+    </p:spTree>
+  </p:cSld>
+  <p:clrMapOvr>
+    <a:masterClrMapping/>
+  </p:clrMapOvr>
+</p:sld>
+</file>
+
+<file path=ppt/slides/slide16.xml><?xml version="1.0" encoding="utf-8"?>
 <p:sld xmlns:a="http://schemas.openxmlformats.org/drawingml/2006/main" xmlns:r="http://schemas.openxmlformats.org/officeDocument/2006/relationships" xmlns:p="http://schemas.openxmlformats.org/presentationml/2006/main">
   <p:cSld>
     <p:spTree>
@@ -5893,7 +6537,7 @@
 </p:sld>
 </file>
 
-<file path=ppt/slides/slide13.xml><?xml version="1.0" encoding="utf-8"?>
+<file path=ppt/slides/slide17.xml><?xml version="1.0" encoding="utf-8"?>
 <p:sld xmlns:a="http://schemas.openxmlformats.org/drawingml/2006/main" xmlns:r="http://schemas.openxmlformats.org/officeDocument/2006/relationships" xmlns:p="http://schemas.openxmlformats.org/presentationml/2006/main">
   <p:cSld>
     <p:spTree>
@@ -5948,8 +6592,30 @@
           <a:lstStyle/>
           <a:p>
             <a:r>
-              <a:rPr lang="en-GB" altLang="en-US" smtClean="0"/>
-              <a:t>The getElementsByTagName() is one of the method exposes for accessing nodes directly. This method takes a tag name as argument and returns a collection of all the nodes it finds in the document that are a sort of tag</a:t>
+              <a:rPr lang="en-GB" altLang="en-US" dirty="0" smtClean="0"/>
+              <a:t>The </a:t>
+            </a:r>
+            <a:r>
+              <a:rPr lang="en-GB" altLang="en-US" dirty="0" err="1" smtClean="0"/>
+              <a:t>getElementsByTagName</a:t>
+            </a:r>
+            <a:r>
+              <a:rPr lang="en-GB" altLang="en-US" dirty="0" smtClean="0"/>
+              <a:t>() is one of the method exposes for accessing nodes </a:t>
+            </a:r>
+            <a:r>
+              <a:rPr lang="en-GB" altLang="en-US" dirty="0" smtClean="0"/>
+              <a:t>directly</a:t>
+            </a:r>
+          </a:p>
+          <a:p>
+            <a:r>
+              <a:rPr lang="en-GB" altLang="en-US" dirty="0" smtClean="0"/>
+              <a:t>This </a:t>
+            </a:r>
+            <a:r>
+              <a:rPr lang="en-GB" altLang="en-US" dirty="0" smtClean="0"/>
+              <a:t>method takes a tag name as argument and returns a collection of all the nodes it finds in the document that are a sort of tag</a:t>
             </a:r>
           </a:p>
         </p:txBody>
@@ -5962,7 +6628,7 @@
 </p:sld>
 </file>
 
-<file path=ppt/slides/slide14.xml><?xml version="1.0" encoding="utf-8"?>
+<file path=ppt/slides/slide18.xml><?xml version="1.0" encoding="utf-8"?>
 <p:sld xmlns:a="http://schemas.openxmlformats.org/drawingml/2006/main" xmlns:r="http://schemas.openxmlformats.org/officeDocument/2006/relationships" xmlns:p="http://schemas.openxmlformats.org/presentationml/2006/main">
   <p:cSld>
     <p:spTree>
@@ -6082,7 +6748,7 @@
 </p:sld>
 </file>
 
-<file path=ppt/slides/slide15.xml><?xml version="1.0" encoding="utf-8"?>
+<file path=ppt/slides/slide19.xml><?xml version="1.0" encoding="utf-8"?>
 <p:sld xmlns:a="http://schemas.openxmlformats.org/drawingml/2006/main" xmlns:r="http://schemas.openxmlformats.org/officeDocument/2006/relationships" xmlns:p="http://schemas.openxmlformats.org/presentationml/2006/main">
   <p:cSld>
     <p:spTree>
@@ -6202,7 +6868,7 @@
 </p:sld>
 </file>
 
-<file path=ppt/slides/slide16.xml><?xml version="1.0" encoding="utf-8"?>
+<file path=ppt/slides/slide2.xml><?xml version="1.0" encoding="utf-8"?>
 <p:sld xmlns:a="http://schemas.openxmlformats.org/drawingml/2006/main" xmlns:r="http://schemas.openxmlformats.org/officeDocument/2006/relationships" xmlns:p="http://schemas.openxmlformats.org/presentationml/2006/main">
   <p:cSld>
     <p:spTree>
@@ -6221,7 +6887,7 @@
       </p:grpSpPr>
       <p:sp>
         <p:nvSpPr>
-          <p:cNvPr id="26626" name="Text Box 1"/>
+          <p:cNvPr id="11266" name="Text Box 1"/>
           <p:cNvSpPr txBox="1">
             <a:spLocks noChangeArrowheads="1"/>
           </p:cNvSpPr>
@@ -6513,7 +7179,7 @@
             </a:lvl9pPr>
           </a:lstStyle>
           <a:p>
-            <a:pPr algn="ctr">
+            <a:pPr algn="ctr" eaLnBrk="1" hangingPunct="1">
               <a:spcBef>
                 <a:spcPct val="0"/>
               </a:spcBef>
@@ -6521,15 +7187,15 @@
               <a:buNone/>
             </a:pPr>
             <a:r>
-              <a:rPr lang="en-GB" altLang="en-US" sz="4400"/>
-              <a:t>This Week</a:t>
+              <a:rPr lang="en-US" altLang="en-US" sz="4400"/>
+              <a:t>Outline</a:t>
             </a:r>
           </a:p>
         </p:txBody>
       </p:sp>
       <p:sp>
         <p:nvSpPr>
-          <p:cNvPr id="26627" name="Text Box 2"/>
+          <p:cNvPr id="11267" name="Text Box 2"/>
           <p:cNvSpPr txBox="1">
             <a:spLocks noChangeArrowheads="1"/>
           </p:cNvSpPr>
@@ -6537,8 +7203,8 @@
         </p:nvSpPr>
         <p:spPr bwMode="auto">
           <a:xfrm>
-            <a:off x="685800" y="1752600"/>
-            <a:ext cx="7772400" cy="4343400"/>
+            <a:off x="685800" y="1981200"/>
+            <a:ext cx="7772400" cy="4572000"/>
           </a:xfrm>
           <a:prstGeom prst="rect">
             <a:avLst/>
@@ -6597,7 +7263,7 @@
                 <a:latin typeface="Arial" panose="020B0604020202020204" pitchFamily="34" charset="0"/>
               </a:defRPr>
             </a:lvl1pPr>
-            <a:lvl2pPr marL="741363" indent="-284163">
+            <a:lvl2pPr marL="742950" indent="-285750">
               <a:spcBef>
                 <a:spcPct val="20000"/>
               </a:spcBef>
@@ -6812,768 +7478,48 @@
             </a:lvl9pPr>
           </a:lstStyle>
           <a:p>
-            <a:pPr>
-              <a:lnSpc>
-                <a:spcPct val="80000"/>
-              </a:lnSpc>
-              <a:spcBef>
-                <a:spcPts val="750"/>
-              </a:spcBef>
-              <a:buSzPct val="107000"/>
+            <a:pPr eaLnBrk="1" hangingPunct="1">
+              <a:spcBef>
+                <a:spcPts val="800"/>
+              </a:spcBef>
               <a:buFont typeface="Times New Roman" panose="02020603050405020304" pitchFamily="18" charset="0"/>
               <a:buBlip>
                 <a:blip r:embed="rId3"/>
               </a:buBlip>
             </a:pPr>
             <a:r>
-              <a:rPr lang="en-GB" altLang="en-US" sz="3000"/>
-              <a:t>Review Slides</a:t>
-            </a:r>
-          </a:p>
-          <a:p>
-            <a:pPr>
-              <a:lnSpc>
-                <a:spcPct val="80000"/>
-              </a:lnSpc>
-              <a:spcBef>
-                <a:spcPts val="750"/>
-              </a:spcBef>
-              <a:buSzPct val="107000"/>
+              <a:rPr lang="en-US" altLang="en-US"/>
+              <a:t>What do we mean by Objects and DOM?</a:t>
+            </a:r>
+          </a:p>
+          <a:p>
+            <a:pPr eaLnBrk="1" hangingPunct="1">
+              <a:spcBef>
+                <a:spcPts val="800"/>
+              </a:spcBef>
               <a:buFont typeface="Times New Roman" panose="02020603050405020304" pitchFamily="18" charset="0"/>
               <a:buBlip>
                 <a:blip r:embed="rId3"/>
               </a:buBlip>
             </a:pPr>
             <a:r>
-              <a:rPr lang="en-GB" altLang="en-US" sz="3000"/>
-              <a:t>Read Associated Chapters</a:t>
-            </a:r>
-          </a:p>
-          <a:p>
-            <a:pPr>
-              <a:lnSpc>
-                <a:spcPct val="80000"/>
-              </a:lnSpc>
-              <a:spcBef>
-                <a:spcPts val="750"/>
-              </a:spcBef>
-              <a:buSzPct val="107000"/>
+              <a:rPr lang="en-US" altLang="en-US"/>
+              <a:t>Summary</a:t>
+            </a:r>
+          </a:p>
+          <a:p>
+            <a:pPr eaLnBrk="1" hangingPunct="1">
+              <a:spcBef>
+                <a:spcPts val="800"/>
+              </a:spcBef>
               <a:buFont typeface="Times New Roman" panose="02020603050405020304" pitchFamily="18" charset="0"/>
               <a:buBlip>
                 <a:blip r:embed="rId3"/>
               </a:buBlip>
             </a:pPr>
             <a:r>
-              <a:rPr lang="en-GB" altLang="en-US" sz="3000"/>
-              <a:t>Work through Examples</a:t>
-            </a:r>
-          </a:p>
-          <a:p>
-            <a:pPr lvl="1">
-              <a:lnSpc>
-                <a:spcPct val="80000"/>
-              </a:lnSpc>
-              <a:spcBef>
-                <a:spcPts val="650"/>
-              </a:spcBef>
-              <a:buFont typeface="Wingdings 3" panose="05040102010807070707" pitchFamily="18" charset="2"/>
-              <a:buChar char=""/>
-            </a:pPr>
-            <a:r>
-              <a:rPr lang="en-GB" altLang="en-US" sz="2600"/>
-              <a:t>Setup GitHub Account/Webpage</a:t>
-            </a:r>
-          </a:p>
-          <a:p>
-            <a:pPr>
-              <a:lnSpc>
-                <a:spcPct val="80000"/>
-              </a:lnSpc>
-              <a:spcBef>
-                <a:spcPts val="750"/>
-              </a:spcBef>
-              <a:buSzPct val="107000"/>
-            </a:pPr>
-            <a:r>
-              <a:rPr lang="en-GB" altLang="en-US" sz="3000" b="1" u="sng"/>
-              <a:t>Start Early</a:t>
-            </a:r>
-          </a:p>
-        </p:txBody>
-      </p:sp>
-    </p:spTree>
-  </p:cSld>
-  <p:clrMapOvr>
-    <a:masterClrMapping/>
-  </p:clrMapOvr>
-  <p:transition spd="med"/>
-  <p:timing>
-    <p:tnLst>
-      <p:par>
-        <p:cTn id="1" dur="indefinite" nodeType="tmRoot">
-          <p:childTnLst>
-            <p:seq concurrent="1" nextAc="seek">
-              <p:cTn id="2" dur="0" nodeType="mainSeq"/>
-              <p:prevCondLst>
-                <p:cond evt="onPrev" delay="0">
-                  <p:tgtEl>
-                    <p:sldTgt/>
-                  </p:tgtEl>
-                </p:cond>
-              </p:prevCondLst>
-              <p:nextCondLst>
-                <p:cond evt="onNext" delay="0">
-                  <p:tgtEl>
-                    <p:sldTgt/>
-                  </p:tgtEl>
-                </p:cond>
-              </p:nextCondLst>
-            </p:seq>
-          </p:childTnLst>
-        </p:cTn>
-      </p:par>
-    </p:tnLst>
-  </p:timing>
-</p:sld>
-</file>
-
-<file path=ppt/slides/slide17.xml><?xml version="1.0" encoding="utf-8"?>
-<p:sld xmlns:a="http://schemas.openxmlformats.org/drawingml/2006/main" xmlns:r="http://schemas.openxmlformats.org/officeDocument/2006/relationships" xmlns:p="http://schemas.openxmlformats.org/presentationml/2006/main">
-  <p:cSld>
-    <p:spTree>
-      <p:nvGrpSpPr>
-        <p:cNvPr id="1" name=""/>
-        <p:cNvGrpSpPr/>
-        <p:nvPr/>
-      </p:nvGrpSpPr>
-      <p:grpSpPr>
-        <a:xfrm>
-          <a:off x="0" y="0"/>
-          <a:ext cx="0" cy="0"/>
-          <a:chOff x="0" y="0"/>
-          <a:chExt cx="0" cy="0"/>
-        </a:xfrm>
-      </p:grpSpPr>
-      <p:sp>
-        <p:nvSpPr>
-          <p:cNvPr id="28674" name="Text Box 1"/>
-          <p:cNvSpPr txBox="1">
-            <a:spLocks noChangeArrowheads="1"/>
-          </p:cNvSpPr>
-          <p:nvPr/>
-        </p:nvSpPr>
-        <p:spPr bwMode="auto">
-          <a:xfrm>
-            <a:off x="685800" y="609600"/>
-            <a:ext cx="7772400" cy="1143000"/>
-          </a:xfrm>
-          <a:prstGeom prst="rect">
-            <a:avLst/>
-          </a:prstGeom>
-          <a:noFill/>
-          <a:ln>
-            <a:noFill/>
-          </a:ln>
-          <a:extLst>
-            <a:ext uri="{909E8E84-426E-40DD-AFC4-6F175D3DCCD1}">
-              <a14:hiddenFill xmlns:a14="http://schemas.microsoft.com/office/drawing/2010/main">
-                <a:solidFill>
-                  <a:srgbClr val="FFFFFF"/>
-                </a:solidFill>
-              </a14:hiddenFill>
-            </a:ext>
-            <a:ext uri="{91240B29-F687-4F45-9708-019B960494DF}">
-              <a14:hiddenLine xmlns:a14="http://schemas.microsoft.com/office/drawing/2010/main" w="9525">
-                <a:solidFill>
-                  <a:srgbClr val="000000"/>
-                </a:solidFill>
-                <a:round/>
-                <a:headEnd/>
-                <a:tailEnd/>
-              </a14:hiddenLine>
-            </a:ext>
-          </a:extLst>
-        </p:spPr>
-        <p:txBody>
-          <a:bodyPr anchor="ctr"/>
-          <a:lstStyle>
-            <a:lvl1pPr>
-              <a:spcBef>
-                <a:spcPct val="20000"/>
-              </a:spcBef>
-              <a:buBlip>
-                <a:blip r:embed="rId3"/>
-              </a:buBlip>
-              <a:tabLst>
-                <a:tab pos="0" algn="l"/>
-                <a:tab pos="914400" algn="l"/>
-                <a:tab pos="1828800" algn="l"/>
-                <a:tab pos="2743200" algn="l"/>
-                <a:tab pos="3657600" algn="l"/>
-                <a:tab pos="4572000" algn="l"/>
-                <a:tab pos="5486400" algn="l"/>
-                <a:tab pos="6400800" algn="l"/>
-                <a:tab pos="7315200" algn="l"/>
-                <a:tab pos="8229600" algn="l"/>
-                <a:tab pos="9144000" algn="l"/>
-                <a:tab pos="10058400" algn="l"/>
-              </a:tabLst>
-              <a:defRPr sz="3200">
-                <a:solidFill>
-                  <a:srgbClr val="000000"/>
-                </a:solidFill>
-                <a:latin typeface="Arial" panose="020B0604020202020204" pitchFamily="34" charset="0"/>
-              </a:defRPr>
-            </a:lvl1pPr>
-            <a:lvl2pPr marL="742950" indent="-285750">
-              <a:spcBef>
-                <a:spcPct val="20000"/>
-              </a:spcBef>
-              <a:buFont typeface="Wingdings 3" panose="05040102010807070707" pitchFamily="18" charset="2"/>
-              <a:buChar char="w"/>
-              <a:tabLst>
-                <a:tab pos="0" algn="l"/>
-                <a:tab pos="914400" algn="l"/>
-                <a:tab pos="1828800" algn="l"/>
-                <a:tab pos="2743200" algn="l"/>
-                <a:tab pos="3657600" algn="l"/>
-                <a:tab pos="4572000" algn="l"/>
-                <a:tab pos="5486400" algn="l"/>
-                <a:tab pos="6400800" algn="l"/>
-                <a:tab pos="7315200" algn="l"/>
-                <a:tab pos="8229600" algn="l"/>
-                <a:tab pos="9144000" algn="l"/>
-                <a:tab pos="10058400" algn="l"/>
-              </a:tabLst>
-              <a:defRPr sz="2800">
-                <a:solidFill>
-                  <a:srgbClr val="000000"/>
-                </a:solidFill>
-                <a:latin typeface="Arial" panose="020B0604020202020204" pitchFamily="34" charset="0"/>
-              </a:defRPr>
-            </a:lvl2pPr>
-            <a:lvl3pPr marL="1143000" indent="-228600">
-              <a:spcBef>
-                <a:spcPct val="20000"/>
-              </a:spcBef>
-              <a:buChar char="•"/>
-              <a:tabLst>
-                <a:tab pos="0" algn="l"/>
-                <a:tab pos="914400" algn="l"/>
-                <a:tab pos="1828800" algn="l"/>
-                <a:tab pos="2743200" algn="l"/>
-                <a:tab pos="3657600" algn="l"/>
-                <a:tab pos="4572000" algn="l"/>
-                <a:tab pos="5486400" algn="l"/>
-                <a:tab pos="6400800" algn="l"/>
-                <a:tab pos="7315200" algn="l"/>
-                <a:tab pos="8229600" algn="l"/>
-                <a:tab pos="9144000" algn="l"/>
-                <a:tab pos="10058400" algn="l"/>
-              </a:tabLst>
-              <a:defRPr sz="2400">
-                <a:solidFill>
-                  <a:srgbClr val="000000"/>
-                </a:solidFill>
-                <a:latin typeface="Arial" panose="020B0604020202020204" pitchFamily="34" charset="0"/>
-              </a:defRPr>
-            </a:lvl3pPr>
-            <a:lvl4pPr marL="1600200" indent="-228600">
-              <a:spcBef>
-                <a:spcPct val="20000"/>
-              </a:spcBef>
-              <a:buChar char="–"/>
-              <a:tabLst>
-                <a:tab pos="0" algn="l"/>
-                <a:tab pos="914400" algn="l"/>
-                <a:tab pos="1828800" algn="l"/>
-                <a:tab pos="2743200" algn="l"/>
-                <a:tab pos="3657600" algn="l"/>
-                <a:tab pos="4572000" algn="l"/>
-                <a:tab pos="5486400" algn="l"/>
-                <a:tab pos="6400800" algn="l"/>
-                <a:tab pos="7315200" algn="l"/>
-                <a:tab pos="8229600" algn="l"/>
-                <a:tab pos="9144000" algn="l"/>
-                <a:tab pos="10058400" algn="l"/>
-              </a:tabLst>
-              <a:defRPr sz="2000">
-                <a:solidFill>
-                  <a:srgbClr val="000000"/>
-                </a:solidFill>
-                <a:latin typeface="Arial" panose="020B0604020202020204" pitchFamily="34" charset="0"/>
-              </a:defRPr>
-            </a:lvl4pPr>
-            <a:lvl5pPr marL="2057400" indent="-228600">
-              <a:spcBef>
-                <a:spcPct val="20000"/>
-              </a:spcBef>
-              <a:buChar char="»"/>
-              <a:tabLst>
-                <a:tab pos="0" algn="l"/>
-                <a:tab pos="914400" algn="l"/>
-                <a:tab pos="1828800" algn="l"/>
-                <a:tab pos="2743200" algn="l"/>
-                <a:tab pos="3657600" algn="l"/>
-                <a:tab pos="4572000" algn="l"/>
-                <a:tab pos="5486400" algn="l"/>
-                <a:tab pos="6400800" algn="l"/>
-                <a:tab pos="7315200" algn="l"/>
-                <a:tab pos="8229600" algn="l"/>
-                <a:tab pos="9144000" algn="l"/>
-                <a:tab pos="10058400" algn="l"/>
-              </a:tabLst>
-              <a:defRPr sz="2000">
-                <a:solidFill>
-                  <a:srgbClr val="000000"/>
-                </a:solidFill>
-                <a:latin typeface="Arial" panose="020B0604020202020204" pitchFamily="34" charset="0"/>
-              </a:defRPr>
-            </a:lvl5pPr>
-            <a:lvl6pPr marL="2514600" indent="-228600" eaLnBrk="0" fontAlgn="base" hangingPunct="0">
-              <a:spcBef>
-                <a:spcPct val="20000"/>
-              </a:spcBef>
-              <a:spcAft>
-                <a:spcPct val="0"/>
-              </a:spcAft>
-              <a:buChar char="»"/>
-              <a:tabLst>
-                <a:tab pos="0" algn="l"/>
-                <a:tab pos="914400" algn="l"/>
-                <a:tab pos="1828800" algn="l"/>
-                <a:tab pos="2743200" algn="l"/>
-                <a:tab pos="3657600" algn="l"/>
-                <a:tab pos="4572000" algn="l"/>
-                <a:tab pos="5486400" algn="l"/>
-                <a:tab pos="6400800" algn="l"/>
-                <a:tab pos="7315200" algn="l"/>
-                <a:tab pos="8229600" algn="l"/>
-                <a:tab pos="9144000" algn="l"/>
-                <a:tab pos="10058400" algn="l"/>
-              </a:tabLst>
-              <a:defRPr sz="2000">
-                <a:solidFill>
-                  <a:srgbClr val="000000"/>
-                </a:solidFill>
-                <a:latin typeface="Arial" panose="020B0604020202020204" pitchFamily="34" charset="0"/>
-              </a:defRPr>
-            </a:lvl6pPr>
-            <a:lvl7pPr marL="2971800" indent="-228600" eaLnBrk="0" fontAlgn="base" hangingPunct="0">
-              <a:spcBef>
-                <a:spcPct val="20000"/>
-              </a:spcBef>
-              <a:spcAft>
-                <a:spcPct val="0"/>
-              </a:spcAft>
-              <a:buChar char="»"/>
-              <a:tabLst>
-                <a:tab pos="0" algn="l"/>
-                <a:tab pos="914400" algn="l"/>
-                <a:tab pos="1828800" algn="l"/>
-                <a:tab pos="2743200" algn="l"/>
-                <a:tab pos="3657600" algn="l"/>
-                <a:tab pos="4572000" algn="l"/>
-                <a:tab pos="5486400" algn="l"/>
-                <a:tab pos="6400800" algn="l"/>
-                <a:tab pos="7315200" algn="l"/>
-                <a:tab pos="8229600" algn="l"/>
-                <a:tab pos="9144000" algn="l"/>
-                <a:tab pos="10058400" algn="l"/>
-              </a:tabLst>
-              <a:defRPr sz="2000">
-                <a:solidFill>
-                  <a:srgbClr val="000000"/>
-                </a:solidFill>
-                <a:latin typeface="Arial" panose="020B0604020202020204" pitchFamily="34" charset="0"/>
-              </a:defRPr>
-            </a:lvl7pPr>
-            <a:lvl8pPr marL="3429000" indent="-228600" eaLnBrk="0" fontAlgn="base" hangingPunct="0">
-              <a:spcBef>
-                <a:spcPct val="20000"/>
-              </a:spcBef>
-              <a:spcAft>
-                <a:spcPct val="0"/>
-              </a:spcAft>
-              <a:buChar char="»"/>
-              <a:tabLst>
-                <a:tab pos="0" algn="l"/>
-                <a:tab pos="914400" algn="l"/>
-                <a:tab pos="1828800" algn="l"/>
-                <a:tab pos="2743200" algn="l"/>
-                <a:tab pos="3657600" algn="l"/>
-                <a:tab pos="4572000" algn="l"/>
-                <a:tab pos="5486400" algn="l"/>
-                <a:tab pos="6400800" algn="l"/>
-                <a:tab pos="7315200" algn="l"/>
-                <a:tab pos="8229600" algn="l"/>
-                <a:tab pos="9144000" algn="l"/>
-                <a:tab pos="10058400" algn="l"/>
-              </a:tabLst>
-              <a:defRPr sz="2000">
-                <a:solidFill>
-                  <a:srgbClr val="000000"/>
-                </a:solidFill>
-                <a:latin typeface="Arial" panose="020B0604020202020204" pitchFamily="34" charset="0"/>
-              </a:defRPr>
-            </a:lvl8pPr>
-            <a:lvl9pPr marL="3886200" indent="-228600" eaLnBrk="0" fontAlgn="base" hangingPunct="0">
-              <a:spcBef>
-                <a:spcPct val="20000"/>
-              </a:spcBef>
-              <a:spcAft>
-                <a:spcPct val="0"/>
-              </a:spcAft>
-              <a:buChar char="»"/>
-              <a:tabLst>
-                <a:tab pos="0" algn="l"/>
-                <a:tab pos="914400" algn="l"/>
-                <a:tab pos="1828800" algn="l"/>
-                <a:tab pos="2743200" algn="l"/>
-                <a:tab pos="3657600" algn="l"/>
-                <a:tab pos="4572000" algn="l"/>
-                <a:tab pos="5486400" algn="l"/>
-                <a:tab pos="6400800" algn="l"/>
-                <a:tab pos="7315200" algn="l"/>
-                <a:tab pos="8229600" algn="l"/>
-                <a:tab pos="9144000" algn="l"/>
-                <a:tab pos="10058400" algn="l"/>
-              </a:tabLst>
-              <a:defRPr sz="2000">
-                <a:solidFill>
-                  <a:srgbClr val="000000"/>
-                </a:solidFill>
-                <a:latin typeface="Arial" panose="020B0604020202020204" pitchFamily="34" charset="0"/>
-              </a:defRPr>
-            </a:lvl9pPr>
-          </a:lstStyle>
-          <a:p>
-            <a:pPr algn="ctr">
-              <a:spcBef>
-                <a:spcPct val="0"/>
-              </a:spcBef>
-              <a:buFontTx/>
-              <a:buNone/>
-            </a:pPr>
-            <a:r>
-              <a:rPr lang="en-GB" altLang="en-US" sz="4400"/>
-              <a:t>Summary</a:t>
-            </a:r>
-          </a:p>
-        </p:txBody>
-      </p:sp>
-      <p:sp>
-        <p:nvSpPr>
-          <p:cNvPr id="28675" name="Text Box 2"/>
-          <p:cNvSpPr txBox="1">
-            <a:spLocks noChangeArrowheads="1"/>
-          </p:cNvSpPr>
-          <p:nvPr/>
-        </p:nvSpPr>
-        <p:spPr bwMode="auto">
-          <a:xfrm>
-            <a:off x="685800" y="1981200"/>
-            <a:ext cx="7772400" cy="4114800"/>
-          </a:xfrm>
-          <a:prstGeom prst="rect">
-            <a:avLst/>
-          </a:prstGeom>
-          <a:noFill/>
-          <a:ln>
-            <a:noFill/>
-          </a:ln>
-          <a:extLst>
-            <a:ext uri="{909E8E84-426E-40DD-AFC4-6F175D3DCCD1}">
-              <a14:hiddenFill xmlns:a14="http://schemas.microsoft.com/office/drawing/2010/main">
-                <a:solidFill>
-                  <a:srgbClr val="FFFFFF"/>
-                </a:solidFill>
-              </a14:hiddenFill>
-            </a:ext>
-            <a:ext uri="{91240B29-F687-4F45-9708-019B960494DF}">
-              <a14:hiddenLine xmlns:a14="http://schemas.microsoft.com/office/drawing/2010/main" w="9525">
-                <a:solidFill>
-                  <a:srgbClr val="000000"/>
-                </a:solidFill>
-                <a:round/>
-                <a:headEnd/>
-                <a:tailEnd/>
-              </a14:hiddenLine>
-            </a:ext>
-          </a:extLst>
-        </p:spPr>
-        <p:txBody>
-          <a:bodyPr/>
-          <a:lstStyle>
-            <a:lvl1pPr marL="341313" indent="-341313">
-              <a:spcBef>
-                <a:spcPct val="20000"/>
-              </a:spcBef>
-              <a:buBlip>
-                <a:blip r:embed="rId3"/>
-              </a:buBlip>
-              <a:tabLst>
-                <a:tab pos="911225" algn="l"/>
-                <a:tab pos="1825625" algn="l"/>
-                <a:tab pos="2740025" algn="l"/>
-                <a:tab pos="3654425" algn="l"/>
-                <a:tab pos="4568825" algn="l"/>
-                <a:tab pos="5483225" algn="l"/>
-                <a:tab pos="6397625" algn="l"/>
-                <a:tab pos="7312025" algn="l"/>
-                <a:tab pos="8226425" algn="l"/>
-                <a:tab pos="9140825" algn="l"/>
-                <a:tab pos="10055225" algn="l"/>
-              </a:tabLst>
-              <a:defRPr sz="3200">
-                <a:solidFill>
-                  <a:srgbClr val="000000"/>
-                </a:solidFill>
-                <a:latin typeface="Arial" panose="020B0604020202020204" pitchFamily="34" charset="0"/>
-              </a:defRPr>
-            </a:lvl1pPr>
-            <a:lvl2pPr marL="742950" indent="-285750">
-              <a:spcBef>
-                <a:spcPct val="20000"/>
-              </a:spcBef>
-              <a:buFont typeface="Wingdings 3" panose="05040102010807070707" pitchFamily="18" charset="2"/>
-              <a:buChar char="w"/>
-              <a:tabLst>
-                <a:tab pos="911225" algn="l"/>
-                <a:tab pos="1825625" algn="l"/>
-                <a:tab pos="2740025" algn="l"/>
-                <a:tab pos="3654425" algn="l"/>
-                <a:tab pos="4568825" algn="l"/>
-                <a:tab pos="5483225" algn="l"/>
-                <a:tab pos="6397625" algn="l"/>
-                <a:tab pos="7312025" algn="l"/>
-                <a:tab pos="8226425" algn="l"/>
-                <a:tab pos="9140825" algn="l"/>
-                <a:tab pos="10055225" algn="l"/>
-              </a:tabLst>
-              <a:defRPr sz="2800">
-                <a:solidFill>
-                  <a:srgbClr val="000000"/>
-                </a:solidFill>
-                <a:latin typeface="Arial" panose="020B0604020202020204" pitchFamily="34" charset="0"/>
-              </a:defRPr>
-            </a:lvl2pPr>
-            <a:lvl3pPr marL="1143000" indent="-228600">
-              <a:spcBef>
-                <a:spcPct val="20000"/>
-              </a:spcBef>
-              <a:buChar char="•"/>
-              <a:tabLst>
-                <a:tab pos="911225" algn="l"/>
-                <a:tab pos="1825625" algn="l"/>
-                <a:tab pos="2740025" algn="l"/>
-                <a:tab pos="3654425" algn="l"/>
-                <a:tab pos="4568825" algn="l"/>
-                <a:tab pos="5483225" algn="l"/>
-                <a:tab pos="6397625" algn="l"/>
-                <a:tab pos="7312025" algn="l"/>
-                <a:tab pos="8226425" algn="l"/>
-                <a:tab pos="9140825" algn="l"/>
-                <a:tab pos="10055225" algn="l"/>
-              </a:tabLst>
-              <a:defRPr sz="2400">
-                <a:solidFill>
-                  <a:srgbClr val="000000"/>
-                </a:solidFill>
-                <a:latin typeface="Arial" panose="020B0604020202020204" pitchFamily="34" charset="0"/>
-              </a:defRPr>
-            </a:lvl3pPr>
-            <a:lvl4pPr marL="1600200" indent="-228600">
-              <a:spcBef>
-                <a:spcPct val="20000"/>
-              </a:spcBef>
-              <a:buChar char="–"/>
-              <a:tabLst>
-                <a:tab pos="911225" algn="l"/>
-                <a:tab pos="1825625" algn="l"/>
-                <a:tab pos="2740025" algn="l"/>
-                <a:tab pos="3654425" algn="l"/>
-                <a:tab pos="4568825" algn="l"/>
-                <a:tab pos="5483225" algn="l"/>
-                <a:tab pos="6397625" algn="l"/>
-                <a:tab pos="7312025" algn="l"/>
-                <a:tab pos="8226425" algn="l"/>
-                <a:tab pos="9140825" algn="l"/>
-                <a:tab pos="10055225" algn="l"/>
-              </a:tabLst>
-              <a:defRPr sz="2000">
-                <a:solidFill>
-                  <a:srgbClr val="000000"/>
-                </a:solidFill>
-                <a:latin typeface="Arial" panose="020B0604020202020204" pitchFamily="34" charset="0"/>
-              </a:defRPr>
-            </a:lvl4pPr>
-            <a:lvl5pPr marL="2057400" indent="-228600">
-              <a:spcBef>
-                <a:spcPct val="20000"/>
-              </a:spcBef>
-              <a:buChar char="»"/>
-              <a:tabLst>
-                <a:tab pos="911225" algn="l"/>
-                <a:tab pos="1825625" algn="l"/>
-                <a:tab pos="2740025" algn="l"/>
-                <a:tab pos="3654425" algn="l"/>
-                <a:tab pos="4568825" algn="l"/>
-                <a:tab pos="5483225" algn="l"/>
-                <a:tab pos="6397625" algn="l"/>
-                <a:tab pos="7312025" algn="l"/>
-                <a:tab pos="8226425" algn="l"/>
-                <a:tab pos="9140825" algn="l"/>
-                <a:tab pos="10055225" algn="l"/>
-              </a:tabLst>
-              <a:defRPr sz="2000">
-                <a:solidFill>
-                  <a:srgbClr val="000000"/>
-                </a:solidFill>
-                <a:latin typeface="Arial" panose="020B0604020202020204" pitchFamily="34" charset="0"/>
-              </a:defRPr>
-            </a:lvl5pPr>
-            <a:lvl6pPr marL="2514600" indent="-228600" eaLnBrk="0" fontAlgn="base" hangingPunct="0">
-              <a:spcBef>
-                <a:spcPct val="20000"/>
-              </a:spcBef>
-              <a:spcAft>
-                <a:spcPct val="0"/>
-              </a:spcAft>
-              <a:buChar char="»"/>
-              <a:tabLst>
-                <a:tab pos="911225" algn="l"/>
-                <a:tab pos="1825625" algn="l"/>
-                <a:tab pos="2740025" algn="l"/>
-                <a:tab pos="3654425" algn="l"/>
-                <a:tab pos="4568825" algn="l"/>
-                <a:tab pos="5483225" algn="l"/>
-                <a:tab pos="6397625" algn="l"/>
-                <a:tab pos="7312025" algn="l"/>
-                <a:tab pos="8226425" algn="l"/>
-                <a:tab pos="9140825" algn="l"/>
-                <a:tab pos="10055225" algn="l"/>
-              </a:tabLst>
-              <a:defRPr sz="2000">
-                <a:solidFill>
-                  <a:srgbClr val="000000"/>
-                </a:solidFill>
-                <a:latin typeface="Arial" panose="020B0604020202020204" pitchFamily="34" charset="0"/>
-              </a:defRPr>
-            </a:lvl6pPr>
-            <a:lvl7pPr marL="2971800" indent="-228600" eaLnBrk="0" fontAlgn="base" hangingPunct="0">
-              <a:spcBef>
-                <a:spcPct val="20000"/>
-              </a:spcBef>
-              <a:spcAft>
-                <a:spcPct val="0"/>
-              </a:spcAft>
-              <a:buChar char="»"/>
-              <a:tabLst>
-                <a:tab pos="911225" algn="l"/>
-                <a:tab pos="1825625" algn="l"/>
-                <a:tab pos="2740025" algn="l"/>
-                <a:tab pos="3654425" algn="l"/>
-                <a:tab pos="4568825" algn="l"/>
-                <a:tab pos="5483225" algn="l"/>
-                <a:tab pos="6397625" algn="l"/>
-                <a:tab pos="7312025" algn="l"/>
-                <a:tab pos="8226425" algn="l"/>
-                <a:tab pos="9140825" algn="l"/>
-                <a:tab pos="10055225" algn="l"/>
-              </a:tabLst>
-              <a:defRPr sz="2000">
-                <a:solidFill>
-                  <a:srgbClr val="000000"/>
-                </a:solidFill>
-                <a:latin typeface="Arial" panose="020B0604020202020204" pitchFamily="34" charset="0"/>
-              </a:defRPr>
-            </a:lvl7pPr>
-            <a:lvl8pPr marL="3429000" indent="-228600" eaLnBrk="0" fontAlgn="base" hangingPunct="0">
-              <a:spcBef>
-                <a:spcPct val="20000"/>
-              </a:spcBef>
-              <a:spcAft>
-                <a:spcPct val="0"/>
-              </a:spcAft>
-              <a:buChar char="»"/>
-              <a:tabLst>
-                <a:tab pos="911225" algn="l"/>
-                <a:tab pos="1825625" algn="l"/>
-                <a:tab pos="2740025" algn="l"/>
-                <a:tab pos="3654425" algn="l"/>
-                <a:tab pos="4568825" algn="l"/>
-                <a:tab pos="5483225" algn="l"/>
-                <a:tab pos="6397625" algn="l"/>
-                <a:tab pos="7312025" algn="l"/>
-                <a:tab pos="8226425" algn="l"/>
-                <a:tab pos="9140825" algn="l"/>
-                <a:tab pos="10055225" algn="l"/>
-              </a:tabLst>
-              <a:defRPr sz="2000">
-                <a:solidFill>
-                  <a:srgbClr val="000000"/>
-                </a:solidFill>
-                <a:latin typeface="Arial" panose="020B0604020202020204" pitchFamily="34" charset="0"/>
-              </a:defRPr>
-            </a:lvl8pPr>
-            <a:lvl9pPr marL="3886200" indent="-228600" eaLnBrk="0" fontAlgn="base" hangingPunct="0">
-              <a:spcBef>
-                <a:spcPct val="20000"/>
-              </a:spcBef>
-              <a:spcAft>
-                <a:spcPct val="0"/>
-              </a:spcAft>
-              <a:buChar char="»"/>
-              <a:tabLst>
-                <a:tab pos="911225" algn="l"/>
-                <a:tab pos="1825625" algn="l"/>
-                <a:tab pos="2740025" algn="l"/>
-                <a:tab pos="3654425" algn="l"/>
-                <a:tab pos="4568825" algn="l"/>
-                <a:tab pos="5483225" algn="l"/>
-                <a:tab pos="6397625" algn="l"/>
-                <a:tab pos="7312025" algn="l"/>
-                <a:tab pos="8226425" algn="l"/>
-                <a:tab pos="9140825" algn="l"/>
-                <a:tab pos="10055225" algn="l"/>
-              </a:tabLst>
-              <a:defRPr sz="2000">
-                <a:solidFill>
-                  <a:srgbClr val="000000"/>
-                </a:solidFill>
-                <a:latin typeface="Arial" panose="020B0604020202020204" pitchFamily="34" charset="0"/>
-              </a:defRPr>
-            </a:lvl9pPr>
-          </a:lstStyle>
-          <a:p>
-            <a:pPr>
-              <a:spcBef>
-                <a:spcPts val="800"/>
-              </a:spcBef>
-              <a:buFont typeface="Times New Roman" panose="02020603050405020304" pitchFamily="18" charset="0"/>
-              <a:buBlip>
-                <a:blip r:embed="rId3"/>
-              </a:buBlip>
-            </a:pPr>
-            <a:r>
-              <a:rPr lang="en-GB" altLang="en-US"/>
-              <a:t>Overview of Objects and DOM</a:t>
-            </a:r>
-          </a:p>
-          <a:p>
-            <a:pPr>
-              <a:spcBef>
-                <a:spcPts val="800"/>
-              </a:spcBef>
-              <a:buFont typeface="Times New Roman" panose="02020603050405020304" pitchFamily="18" charset="0"/>
-              <a:buBlip>
-                <a:blip r:embed="rId3"/>
-              </a:buBlip>
-            </a:pPr>
-            <a:r>
-              <a:rPr lang="en-GB" altLang="en-US"/>
-              <a:t>Hands-On/Practical</a:t>
+              <a:rPr lang="en-US" altLang="en-US"/>
+              <a:t>Review/Discussion</a:t>
             </a:r>
           </a:p>
         </p:txBody>
@@ -7614,7 +7560,7 @@
 </p:sld>
 </file>
 
-<file path=ppt/slides/slide18.xml><?xml version="1.0" encoding="utf-8"?>
+<file path=ppt/slides/slide20.xml><?xml version="1.0" encoding="utf-8"?>
 <p:sld xmlns:a="http://schemas.openxmlformats.org/drawingml/2006/main" xmlns:r="http://schemas.openxmlformats.org/officeDocument/2006/relationships" xmlns:p="http://schemas.openxmlformats.org/presentationml/2006/main">
   <p:cSld>
     <p:spTree>
@@ -7633,7 +7579,7 @@
       </p:grpSpPr>
       <p:sp>
         <p:nvSpPr>
-          <p:cNvPr id="30722" name="Text Box 1"/>
+          <p:cNvPr id="28674" name="Text Box 1"/>
           <p:cNvSpPr txBox="1">
             <a:spLocks noChangeArrowheads="1"/>
           </p:cNvSpPr>
@@ -7925,7 +7871,7 @@
             </a:lvl9pPr>
           </a:lstStyle>
           <a:p>
-            <a:pPr algn="ctr" eaLnBrk="1" hangingPunct="1">
+            <a:pPr algn="ctr">
               <a:spcBef>
                 <a:spcPct val="0"/>
               </a:spcBef>
@@ -7934,14 +7880,14 @@
             </a:pPr>
             <a:r>
               <a:rPr lang="en-GB" altLang="en-US" sz="4400"/>
-              <a:t>Questions/Discussion</a:t>
+              <a:t>Summary</a:t>
             </a:r>
           </a:p>
         </p:txBody>
       </p:sp>
       <p:sp>
         <p:nvSpPr>
-          <p:cNvPr id="30723" name="Text Box 2"/>
+          <p:cNvPr id="28675" name="Text Box 2"/>
           <p:cNvSpPr txBox="1">
             <a:spLocks noChangeArrowheads="1"/>
           </p:cNvSpPr>
@@ -7980,15 +7926,28 @@
           </a:extLst>
         </p:spPr>
         <p:txBody>
-          <a:bodyPr wrap="none" anchor="ctr"/>
+          <a:bodyPr/>
           <a:lstStyle>
-            <a:lvl1pPr>
+            <a:lvl1pPr marL="341313" indent="-341313">
               <a:spcBef>
                 <a:spcPct val="20000"/>
               </a:spcBef>
               <a:buBlip>
                 <a:blip r:embed="rId3"/>
               </a:buBlip>
+              <a:tabLst>
+                <a:tab pos="911225" algn="l"/>
+                <a:tab pos="1825625" algn="l"/>
+                <a:tab pos="2740025" algn="l"/>
+                <a:tab pos="3654425" algn="l"/>
+                <a:tab pos="4568825" algn="l"/>
+                <a:tab pos="5483225" algn="l"/>
+                <a:tab pos="6397625" algn="l"/>
+                <a:tab pos="7312025" algn="l"/>
+                <a:tab pos="8226425" algn="l"/>
+                <a:tab pos="9140825" algn="l"/>
+                <a:tab pos="10055225" algn="l"/>
+              </a:tabLst>
               <a:defRPr sz="3200">
                 <a:solidFill>
                   <a:srgbClr val="000000"/>
@@ -8002,6 +7961,19 @@
               </a:spcBef>
               <a:buFont typeface="Wingdings 3" panose="05040102010807070707" pitchFamily="18" charset="2"/>
               <a:buChar char="w"/>
+              <a:tabLst>
+                <a:tab pos="911225" algn="l"/>
+                <a:tab pos="1825625" algn="l"/>
+                <a:tab pos="2740025" algn="l"/>
+                <a:tab pos="3654425" algn="l"/>
+                <a:tab pos="4568825" algn="l"/>
+                <a:tab pos="5483225" algn="l"/>
+                <a:tab pos="6397625" algn="l"/>
+                <a:tab pos="7312025" algn="l"/>
+                <a:tab pos="8226425" algn="l"/>
+                <a:tab pos="9140825" algn="l"/>
+                <a:tab pos="10055225" algn="l"/>
+              </a:tabLst>
               <a:defRPr sz="2800">
                 <a:solidFill>
                   <a:srgbClr val="000000"/>
@@ -8014,6 +7986,19 @@
                 <a:spcPct val="20000"/>
               </a:spcBef>
               <a:buChar char="•"/>
+              <a:tabLst>
+                <a:tab pos="911225" algn="l"/>
+                <a:tab pos="1825625" algn="l"/>
+                <a:tab pos="2740025" algn="l"/>
+                <a:tab pos="3654425" algn="l"/>
+                <a:tab pos="4568825" algn="l"/>
+                <a:tab pos="5483225" algn="l"/>
+                <a:tab pos="6397625" algn="l"/>
+                <a:tab pos="7312025" algn="l"/>
+                <a:tab pos="8226425" algn="l"/>
+                <a:tab pos="9140825" algn="l"/>
+                <a:tab pos="10055225" algn="l"/>
+              </a:tabLst>
               <a:defRPr sz="2400">
                 <a:solidFill>
                   <a:srgbClr val="000000"/>
@@ -8026,6 +8011,19 @@
                 <a:spcPct val="20000"/>
               </a:spcBef>
               <a:buChar char="–"/>
+              <a:tabLst>
+                <a:tab pos="911225" algn="l"/>
+                <a:tab pos="1825625" algn="l"/>
+                <a:tab pos="2740025" algn="l"/>
+                <a:tab pos="3654425" algn="l"/>
+                <a:tab pos="4568825" algn="l"/>
+                <a:tab pos="5483225" algn="l"/>
+                <a:tab pos="6397625" algn="l"/>
+                <a:tab pos="7312025" algn="l"/>
+                <a:tab pos="8226425" algn="l"/>
+                <a:tab pos="9140825" algn="l"/>
+                <a:tab pos="10055225" algn="l"/>
+              </a:tabLst>
               <a:defRPr sz="2000">
                 <a:solidFill>
                   <a:srgbClr val="000000"/>
@@ -8038,6 +8036,19 @@
                 <a:spcPct val="20000"/>
               </a:spcBef>
               <a:buChar char="»"/>
+              <a:tabLst>
+                <a:tab pos="911225" algn="l"/>
+                <a:tab pos="1825625" algn="l"/>
+                <a:tab pos="2740025" algn="l"/>
+                <a:tab pos="3654425" algn="l"/>
+                <a:tab pos="4568825" algn="l"/>
+                <a:tab pos="5483225" algn="l"/>
+                <a:tab pos="6397625" algn="l"/>
+                <a:tab pos="7312025" algn="l"/>
+                <a:tab pos="8226425" algn="l"/>
+                <a:tab pos="9140825" algn="l"/>
+                <a:tab pos="10055225" algn="l"/>
+              </a:tabLst>
               <a:defRPr sz="2000">
                 <a:solidFill>
                   <a:srgbClr val="000000"/>
@@ -8053,6 +8064,19 @@
                 <a:spcPct val="0"/>
               </a:spcAft>
               <a:buChar char="»"/>
+              <a:tabLst>
+                <a:tab pos="911225" algn="l"/>
+                <a:tab pos="1825625" algn="l"/>
+                <a:tab pos="2740025" algn="l"/>
+                <a:tab pos="3654425" algn="l"/>
+                <a:tab pos="4568825" algn="l"/>
+                <a:tab pos="5483225" algn="l"/>
+                <a:tab pos="6397625" algn="l"/>
+                <a:tab pos="7312025" algn="l"/>
+                <a:tab pos="8226425" algn="l"/>
+                <a:tab pos="9140825" algn="l"/>
+                <a:tab pos="10055225" algn="l"/>
+              </a:tabLst>
               <a:defRPr sz="2000">
                 <a:solidFill>
                   <a:srgbClr val="000000"/>
@@ -8068,6 +8092,19 @@
                 <a:spcPct val="0"/>
               </a:spcAft>
               <a:buChar char="»"/>
+              <a:tabLst>
+                <a:tab pos="911225" algn="l"/>
+                <a:tab pos="1825625" algn="l"/>
+                <a:tab pos="2740025" algn="l"/>
+                <a:tab pos="3654425" algn="l"/>
+                <a:tab pos="4568825" algn="l"/>
+                <a:tab pos="5483225" algn="l"/>
+                <a:tab pos="6397625" algn="l"/>
+                <a:tab pos="7312025" algn="l"/>
+                <a:tab pos="8226425" algn="l"/>
+                <a:tab pos="9140825" algn="l"/>
+                <a:tab pos="10055225" algn="l"/>
+              </a:tabLst>
               <a:defRPr sz="2000">
                 <a:solidFill>
                   <a:srgbClr val="000000"/>
@@ -8083,6 +8120,19 @@
                 <a:spcPct val="0"/>
               </a:spcAft>
               <a:buChar char="»"/>
+              <a:tabLst>
+                <a:tab pos="911225" algn="l"/>
+                <a:tab pos="1825625" algn="l"/>
+                <a:tab pos="2740025" algn="l"/>
+                <a:tab pos="3654425" algn="l"/>
+                <a:tab pos="4568825" algn="l"/>
+                <a:tab pos="5483225" algn="l"/>
+                <a:tab pos="6397625" algn="l"/>
+                <a:tab pos="7312025" algn="l"/>
+                <a:tab pos="8226425" algn="l"/>
+                <a:tab pos="9140825" algn="l"/>
+                <a:tab pos="10055225" algn="l"/>
+              </a:tabLst>
               <a:defRPr sz="2000">
                 <a:solidFill>
                   <a:srgbClr val="000000"/>
@@ -8098,6 +8148,19 @@
                 <a:spcPct val="0"/>
               </a:spcAft>
               <a:buChar char="»"/>
+              <a:tabLst>
+                <a:tab pos="911225" algn="l"/>
+                <a:tab pos="1825625" algn="l"/>
+                <a:tab pos="2740025" algn="l"/>
+                <a:tab pos="3654425" algn="l"/>
+                <a:tab pos="4568825" algn="l"/>
+                <a:tab pos="5483225" algn="l"/>
+                <a:tab pos="6397625" algn="l"/>
+                <a:tab pos="7312025" algn="l"/>
+                <a:tab pos="8226425" algn="l"/>
+                <a:tab pos="9140825" algn="l"/>
+                <a:tab pos="10055225" algn="l"/>
+              </a:tabLst>
               <a:defRPr sz="2000">
                 <a:solidFill>
                   <a:srgbClr val="000000"/>
@@ -8109,17 +8172,56 @@
           <a:p>
             <a:pPr>
               <a:spcBef>
-                <a:spcPct val="0"/>
-              </a:spcBef>
-              <a:buFontTx/>
-              <a:buNone/>
+                <a:spcPts val="800"/>
+              </a:spcBef>
+              <a:buFont typeface="Times New Roman" panose="02020603050405020304" pitchFamily="18" charset="0"/>
+              <a:buBlip>
+                <a:blip r:embed="rId3"/>
+              </a:buBlip>
             </a:pPr>
-            <a:endParaRPr lang="en-US" altLang="en-US" sz="2400">
-              <a:solidFill>
-                <a:schemeClr val="tx1"/>
-              </a:solidFill>
-              <a:latin typeface="Times New Roman" panose="02020603050405020304" pitchFamily="18" charset="0"/>
-            </a:endParaRPr>
+            <a:r>
+              <a:rPr lang="en-GB" altLang="en-US" dirty="0" smtClean="0"/>
+              <a:t>Overview </a:t>
+            </a:r>
+            <a:r>
+              <a:rPr lang="en-GB" altLang="en-US" dirty="0"/>
+              <a:t>of Objects and </a:t>
+            </a:r>
+            <a:r>
+              <a:rPr lang="en-GB" altLang="en-US" dirty="0" smtClean="0"/>
+              <a:t>DOM</a:t>
+            </a:r>
+          </a:p>
+          <a:p>
+            <a:pPr>
+              <a:spcBef>
+                <a:spcPts val="800"/>
+              </a:spcBef>
+              <a:buFont typeface="Times New Roman" panose="02020603050405020304" pitchFamily="18" charset="0"/>
+              <a:buBlip>
+                <a:blip r:embed="rId3"/>
+              </a:buBlip>
+            </a:pPr>
+            <a:r>
+              <a:rPr lang="en-GB" altLang="en-US" dirty="0" smtClean="0"/>
+              <a:t>Structure of Website</a:t>
+            </a:r>
+          </a:p>
+          <a:p>
+            <a:pPr>
+              <a:spcBef>
+                <a:spcPts val="800"/>
+              </a:spcBef>
+              <a:buFont typeface="Times New Roman" panose="02020603050405020304" pitchFamily="18" charset="0"/>
+              <a:buBlip>
+                <a:blip r:embed="rId3"/>
+              </a:buBlip>
+            </a:pPr>
+            <a:r>
+              <a:rPr lang="en-GB" altLang="en-US" dirty="0" smtClean="0"/>
+              <a:t>Examples</a:t>
+            </a:r>
+            <a:endParaRPr lang="en-GB" altLang="en-US" dirty="0"/>
           </a:p>
         </p:txBody>
       </p:sp>
@@ -8159,7 +8261,7 @@
 </p:sld>
 </file>
 
-<file path=ppt/slides/slide2.xml><?xml version="1.0" encoding="utf-8"?>
+<file path=ppt/slides/slide21.xml><?xml version="1.0" encoding="utf-8"?>
 <p:sld xmlns:a="http://schemas.openxmlformats.org/drawingml/2006/main" xmlns:r="http://schemas.openxmlformats.org/officeDocument/2006/relationships" xmlns:p="http://schemas.openxmlformats.org/presentationml/2006/main">
   <p:cSld>
     <p:spTree>
@@ -8178,7 +8280,7 @@
       </p:grpSpPr>
       <p:sp>
         <p:nvSpPr>
-          <p:cNvPr id="11266" name="Text Box 1"/>
+          <p:cNvPr id="26626" name="Text Box 1"/>
           <p:cNvSpPr txBox="1">
             <a:spLocks noChangeArrowheads="1"/>
           </p:cNvSpPr>
@@ -8470,7 +8572,7 @@
             </a:lvl9pPr>
           </a:lstStyle>
           <a:p>
-            <a:pPr algn="ctr" eaLnBrk="1" hangingPunct="1">
+            <a:pPr algn="ctr">
               <a:spcBef>
                 <a:spcPct val="0"/>
               </a:spcBef>
@@ -8478,15 +8580,15 @@
               <a:buNone/>
             </a:pPr>
             <a:r>
-              <a:rPr lang="en-US" altLang="en-US" sz="4400"/>
-              <a:t>Outline</a:t>
+              <a:rPr lang="en-GB" altLang="en-US" sz="4400"/>
+              <a:t>This Week</a:t>
             </a:r>
           </a:p>
         </p:txBody>
       </p:sp>
       <p:sp>
         <p:nvSpPr>
-          <p:cNvPr id="11267" name="Text Box 2"/>
+          <p:cNvPr id="26627" name="Text Box 2"/>
           <p:cNvSpPr txBox="1">
             <a:spLocks noChangeArrowheads="1"/>
           </p:cNvSpPr>
@@ -8494,8 +8596,8 @@
         </p:nvSpPr>
         <p:spPr bwMode="auto">
           <a:xfrm>
-            <a:off x="685800" y="1981200"/>
-            <a:ext cx="7772400" cy="4572000"/>
+            <a:off x="685800" y="1752600"/>
+            <a:ext cx="7772400" cy="4343400"/>
           </a:xfrm>
           <a:prstGeom prst="rect">
             <a:avLst/>
@@ -8554,7 +8656,7 @@
                 <a:latin typeface="Arial" panose="020B0604020202020204" pitchFamily="34" charset="0"/>
               </a:defRPr>
             </a:lvl1pPr>
-            <a:lvl2pPr marL="742950" indent="-285750">
+            <a:lvl2pPr marL="741363" indent="-284163">
               <a:spcBef>
                 <a:spcPct val="20000"/>
               </a:spcBef>
@@ -8769,49 +8871,653 @@
             </a:lvl9pPr>
           </a:lstStyle>
           <a:p>
-            <a:pPr eaLnBrk="1" hangingPunct="1">
-              <a:spcBef>
-                <a:spcPts val="800"/>
-              </a:spcBef>
+            <a:pPr>
+              <a:lnSpc>
+                <a:spcPct val="80000"/>
+              </a:lnSpc>
+              <a:spcBef>
+                <a:spcPts val="750"/>
+              </a:spcBef>
+              <a:buSzPct val="107000"/>
               <a:buFont typeface="Times New Roman" panose="02020603050405020304" pitchFamily="18" charset="0"/>
               <a:buBlip>
                 <a:blip r:embed="rId3"/>
               </a:buBlip>
             </a:pPr>
             <a:r>
-              <a:rPr lang="en-US" altLang="en-US"/>
-              <a:t>What do we mean by Objects and DOM?</a:t>
-            </a:r>
-          </a:p>
-          <a:p>
-            <a:pPr eaLnBrk="1" hangingPunct="1">
-              <a:spcBef>
-                <a:spcPts val="800"/>
-              </a:spcBef>
+              <a:rPr lang="en-GB" altLang="en-US" sz="3000" dirty="0"/>
+              <a:t>Review Slides</a:t>
+            </a:r>
+          </a:p>
+          <a:p>
+            <a:pPr>
+              <a:lnSpc>
+                <a:spcPct val="80000"/>
+              </a:lnSpc>
+              <a:spcBef>
+                <a:spcPts val="750"/>
+              </a:spcBef>
+              <a:buSzPct val="107000"/>
               <a:buFont typeface="Times New Roman" panose="02020603050405020304" pitchFamily="18" charset="0"/>
               <a:buBlip>
                 <a:blip r:embed="rId3"/>
               </a:buBlip>
             </a:pPr>
             <a:r>
-              <a:rPr lang="en-US" altLang="en-US"/>
-              <a:t>Summary</a:t>
-            </a:r>
-          </a:p>
-          <a:p>
-            <a:pPr eaLnBrk="1" hangingPunct="1">
-              <a:spcBef>
-                <a:spcPts val="800"/>
-              </a:spcBef>
+              <a:rPr lang="en-GB" altLang="en-US" sz="3000" dirty="0"/>
+              <a:t>Read Associated Chapters</a:t>
+            </a:r>
+          </a:p>
+          <a:p>
+            <a:pPr>
+              <a:lnSpc>
+                <a:spcPct val="80000"/>
+              </a:lnSpc>
+              <a:spcBef>
+                <a:spcPts val="750"/>
+              </a:spcBef>
+              <a:buSzPct val="107000"/>
               <a:buFont typeface="Times New Roman" panose="02020603050405020304" pitchFamily="18" charset="0"/>
               <a:buBlip>
                 <a:blip r:embed="rId3"/>
               </a:buBlip>
             </a:pPr>
             <a:r>
-              <a:rPr lang="en-US" altLang="en-US"/>
-              <a:t>Review/Discussion</a:t>
-            </a:r>
+              <a:rPr lang="en-GB" altLang="en-US" sz="3000" dirty="0"/>
+              <a:t>Work through Examples</a:t>
+            </a:r>
+          </a:p>
+          <a:p>
+            <a:pPr lvl="1">
+              <a:lnSpc>
+                <a:spcPct val="80000"/>
+              </a:lnSpc>
+              <a:spcBef>
+                <a:spcPts val="650"/>
+              </a:spcBef>
+              <a:buFont typeface="Wingdings 3" panose="05040102010807070707" pitchFamily="18" charset="2"/>
+              <a:buChar char=""/>
+            </a:pPr>
+            <a:r>
+              <a:rPr lang="en-GB" altLang="en-US" sz="2600" dirty="0"/>
+              <a:t>Setup GitHub Account/Webpage</a:t>
+            </a:r>
+          </a:p>
+          <a:p>
+            <a:pPr>
+              <a:lnSpc>
+                <a:spcPct val="80000"/>
+              </a:lnSpc>
+              <a:spcBef>
+                <a:spcPts val="750"/>
+              </a:spcBef>
+              <a:buSzPct val="107000"/>
+            </a:pPr>
+            <a:r>
+              <a:rPr lang="en-GB" altLang="en-US" sz="3000" b="1" u="sng" dirty="0" smtClean="0"/>
+              <a:t>Exam</a:t>
+            </a:r>
+          </a:p>
+          <a:p>
+            <a:pPr>
+              <a:lnSpc>
+                <a:spcPct val="80000"/>
+              </a:lnSpc>
+              <a:spcBef>
+                <a:spcPts val="750"/>
+              </a:spcBef>
+              <a:buSzPct val="107000"/>
+            </a:pPr>
+            <a:r>
+              <a:rPr lang="en-GB" altLang="en-US" sz="3000" b="1" u="sng" dirty="0" smtClean="0"/>
+              <a:t>Group Project</a:t>
+            </a:r>
+            <a:endParaRPr lang="en-GB" altLang="en-US" sz="3000" b="1" u="sng" dirty="0"/>
+          </a:p>
+        </p:txBody>
+      </p:sp>
+    </p:spTree>
+  </p:cSld>
+  <p:clrMapOvr>
+    <a:masterClrMapping/>
+  </p:clrMapOvr>
+  <p:transition spd="med"/>
+  <p:timing>
+    <p:tnLst>
+      <p:par>
+        <p:cTn id="1" dur="indefinite" restart="never" nodeType="tmRoot">
+          <p:childTnLst>
+            <p:seq concurrent="1" nextAc="seek">
+              <p:cTn id="2" dur="0" nodeType="mainSeq"/>
+              <p:prevCondLst>
+                <p:cond evt="onPrev" delay="0">
+                  <p:tgtEl>
+                    <p:sldTgt/>
+                  </p:tgtEl>
+                </p:cond>
+              </p:prevCondLst>
+              <p:nextCondLst>
+                <p:cond evt="onNext" delay="0">
+                  <p:tgtEl>
+                    <p:sldTgt/>
+                  </p:tgtEl>
+                </p:cond>
+              </p:nextCondLst>
+            </p:seq>
+          </p:childTnLst>
+        </p:cTn>
+      </p:par>
+    </p:tnLst>
+  </p:timing>
+</p:sld>
+</file>
+
+<file path=ppt/slides/slide22.xml><?xml version="1.0" encoding="utf-8"?>
+<p:sld xmlns:a="http://schemas.openxmlformats.org/drawingml/2006/main" xmlns:r="http://schemas.openxmlformats.org/officeDocument/2006/relationships" xmlns:p="http://schemas.openxmlformats.org/presentationml/2006/main">
+  <p:cSld>
+    <p:spTree>
+      <p:nvGrpSpPr>
+        <p:cNvPr id="1" name=""/>
+        <p:cNvGrpSpPr/>
+        <p:nvPr/>
+      </p:nvGrpSpPr>
+      <p:grpSpPr>
+        <a:xfrm>
+          <a:off x="0" y="0"/>
+          <a:ext cx="0" cy="0"/>
+          <a:chOff x="0" y="0"/>
+          <a:chExt cx="0" cy="0"/>
+        </a:xfrm>
+      </p:grpSpPr>
+      <p:sp>
+        <p:nvSpPr>
+          <p:cNvPr id="30722" name="Text Box 1"/>
+          <p:cNvSpPr txBox="1">
+            <a:spLocks noChangeArrowheads="1"/>
+          </p:cNvSpPr>
+          <p:nvPr/>
+        </p:nvSpPr>
+        <p:spPr bwMode="auto">
+          <a:xfrm>
+            <a:off x="685800" y="609600"/>
+            <a:ext cx="7772400" cy="1143000"/>
+          </a:xfrm>
+          <a:prstGeom prst="rect">
+            <a:avLst/>
+          </a:prstGeom>
+          <a:noFill/>
+          <a:ln>
+            <a:noFill/>
+          </a:ln>
+          <a:extLst>
+            <a:ext uri="{909E8E84-426E-40DD-AFC4-6F175D3DCCD1}">
+              <a14:hiddenFill xmlns:a14="http://schemas.microsoft.com/office/drawing/2010/main">
+                <a:solidFill>
+                  <a:srgbClr val="FFFFFF"/>
+                </a:solidFill>
+              </a14:hiddenFill>
+            </a:ext>
+            <a:ext uri="{91240B29-F687-4F45-9708-019B960494DF}">
+              <a14:hiddenLine xmlns:a14="http://schemas.microsoft.com/office/drawing/2010/main" w="9525">
+                <a:solidFill>
+                  <a:srgbClr val="000000"/>
+                </a:solidFill>
+                <a:round/>
+                <a:headEnd/>
+                <a:tailEnd/>
+              </a14:hiddenLine>
+            </a:ext>
+          </a:extLst>
+        </p:spPr>
+        <p:txBody>
+          <a:bodyPr anchor="ctr"/>
+          <a:lstStyle>
+            <a:lvl1pPr>
+              <a:spcBef>
+                <a:spcPct val="20000"/>
+              </a:spcBef>
+              <a:buBlip>
+                <a:blip r:embed="rId3"/>
+              </a:buBlip>
+              <a:tabLst>
+                <a:tab pos="0" algn="l"/>
+                <a:tab pos="914400" algn="l"/>
+                <a:tab pos="1828800" algn="l"/>
+                <a:tab pos="2743200" algn="l"/>
+                <a:tab pos="3657600" algn="l"/>
+                <a:tab pos="4572000" algn="l"/>
+                <a:tab pos="5486400" algn="l"/>
+                <a:tab pos="6400800" algn="l"/>
+                <a:tab pos="7315200" algn="l"/>
+                <a:tab pos="8229600" algn="l"/>
+                <a:tab pos="9144000" algn="l"/>
+                <a:tab pos="10058400" algn="l"/>
+              </a:tabLst>
+              <a:defRPr sz="3200">
+                <a:solidFill>
+                  <a:srgbClr val="000000"/>
+                </a:solidFill>
+                <a:latin typeface="Arial" panose="020B0604020202020204" pitchFamily="34" charset="0"/>
+              </a:defRPr>
+            </a:lvl1pPr>
+            <a:lvl2pPr marL="742950" indent="-285750">
+              <a:spcBef>
+                <a:spcPct val="20000"/>
+              </a:spcBef>
+              <a:buFont typeface="Wingdings 3" panose="05040102010807070707" pitchFamily="18" charset="2"/>
+              <a:buChar char="w"/>
+              <a:tabLst>
+                <a:tab pos="0" algn="l"/>
+                <a:tab pos="914400" algn="l"/>
+                <a:tab pos="1828800" algn="l"/>
+                <a:tab pos="2743200" algn="l"/>
+                <a:tab pos="3657600" algn="l"/>
+                <a:tab pos="4572000" algn="l"/>
+                <a:tab pos="5486400" algn="l"/>
+                <a:tab pos="6400800" algn="l"/>
+                <a:tab pos="7315200" algn="l"/>
+                <a:tab pos="8229600" algn="l"/>
+                <a:tab pos="9144000" algn="l"/>
+                <a:tab pos="10058400" algn="l"/>
+              </a:tabLst>
+              <a:defRPr sz="2800">
+                <a:solidFill>
+                  <a:srgbClr val="000000"/>
+                </a:solidFill>
+                <a:latin typeface="Arial" panose="020B0604020202020204" pitchFamily="34" charset="0"/>
+              </a:defRPr>
+            </a:lvl2pPr>
+            <a:lvl3pPr marL="1143000" indent="-228600">
+              <a:spcBef>
+                <a:spcPct val="20000"/>
+              </a:spcBef>
+              <a:buChar char="•"/>
+              <a:tabLst>
+                <a:tab pos="0" algn="l"/>
+                <a:tab pos="914400" algn="l"/>
+                <a:tab pos="1828800" algn="l"/>
+                <a:tab pos="2743200" algn="l"/>
+                <a:tab pos="3657600" algn="l"/>
+                <a:tab pos="4572000" algn="l"/>
+                <a:tab pos="5486400" algn="l"/>
+                <a:tab pos="6400800" algn="l"/>
+                <a:tab pos="7315200" algn="l"/>
+                <a:tab pos="8229600" algn="l"/>
+                <a:tab pos="9144000" algn="l"/>
+                <a:tab pos="10058400" algn="l"/>
+              </a:tabLst>
+              <a:defRPr sz="2400">
+                <a:solidFill>
+                  <a:srgbClr val="000000"/>
+                </a:solidFill>
+                <a:latin typeface="Arial" panose="020B0604020202020204" pitchFamily="34" charset="0"/>
+              </a:defRPr>
+            </a:lvl3pPr>
+            <a:lvl4pPr marL="1600200" indent="-228600">
+              <a:spcBef>
+                <a:spcPct val="20000"/>
+              </a:spcBef>
+              <a:buChar char="–"/>
+              <a:tabLst>
+                <a:tab pos="0" algn="l"/>
+                <a:tab pos="914400" algn="l"/>
+                <a:tab pos="1828800" algn="l"/>
+                <a:tab pos="2743200" algn="l"/>
+                <a:tab pos="3657600" algn="l"/>
+                <a:tab pos="4572000" algn="l"/>
+                <a:tab pos="5486400" algn="l"/>
+                <a:tab pos="6400800" algn="l"/>
+                <a:tab pos="7315200" algn="l"/>
+                <a:tab pos="8229600" algn="l"/>
+                <a:tab pos="9144000" algn="l"/>
+                <a:tab pos="10058400" algn="l"/>
+              </a:tabLst>
+              <a:defRPr sz="2000">
+                <a:solidFill>
+                  <a:srgbClr val="000000"/>
+                </a:solidFill>
+                <a:latin typeface="Arial" panose="020B0604020202020204" pitchFamily="34" charset="0"/>
+              </a:defRPr>
+            </a:lvl4pPr>
+            <a:lvl5pPr marL="2057400" indent="-228600">
+              <a:spcBef>
+                <a:spcPct val="20000"/>
+              </a:spcBef>
+              <a:buChar char="»"/>
+              <a:tabLst>
+                <a:tab pos="0" algn="l"/>
+                <a:tab pos="914400" algn="l"/>
+                <a:tab pos="1828800" algn="l"/>
+                <a:tab pos="2743200" algn="l"/>
+                <a:tab pos="3657600" algn="l"/>
+                <a:tab pos="4572000" algn="l"/>
+                <a:tab pos="5486400" algn="l"/>
+                <a:tab pos="6400800" algn="l"/>
+                <a:tab pos="7315200" algn="l"/>
+                <a:tab pos="8229600" algn="l"/>
+                <a:tab pos="9144000" algn="l"/>
+                <a:tab pos="10058400" algn="l"/>
+              </a:tabLst>
+              <a:defRPr sz="2000">
+                <a:solidFill>
+                  <a:srgbClr val="000000"/>
+                </a:solidFill>
+                <a:latin typeface="Arial" panose="020B0604020202020204" pitchFamily="34" charset="0"/>
+              </a:defRPr>
+            </a:lvl5pPr>
+            <a:lvl6pPr marL="2514600" indent="-228600" eaLnBrk="0" fontAlgn="base" hangingPunct="0">
+              <a:spcBef>
+                <a:spcPct val="20000"/>
+              </a:spcBef>
+              <a:spcAft>
+                <a:spcPct val="0"/>
+              </a:spcAft>
+              <a:buChar char="»"/>
+              <a:tabLst>
+                <a:tab pos="0" algn="l"/>
+                <a:tab pos="914400" algn="l"/>
+                <a:tab pos="1828800" algn="l"/>
+                <a:tab pos="2743200" algn="l"/>
+                <a:tab pos="3657600" algn="l"/>
+                <a:tab pos="4572000" algn="l"/>
+                <a:tab pos="5486400" algn="l"/>
+                <a:tab pos="6400800" algn="l"/>
+                <a:tab pos="7315200" algn="l"/>
+                <a:tab pos="8229600" algn="l"/>
+                <a:tab pos="9144000" algn="l"/>
+                <a:tab pos="10058400" algn="l"/>
+              </a:tabLst>
+              <a:defRPr sz="2000">
+                <a:solidFill>
+                  <a:srgbClr val="000000"/>
+                </a:solidFill>
+                <a:latin typeface="Arial" panose="020B0604020202020204" pitchFamily="34" charset="0"/>
+              </a:defRPr>
+            </a:lvl6pPr>
+            <a:lvl7pPr marL="2971800" indent="-228600" eaLnBrk="0" fontAlgn="base" hangingPunct="0">
+              <a:spcBef>
+                <a:spcPct val="20000"/>
+              </a:spcBef>
+              <a:spcAft>
+                <a:spcPct val="0"/>
+              </a:spcAft>
+              <a:buChar char="»"/>
+              <a:tabLst>
+                <a:tab pos="0" algn="l"/>
+                <a:tab pos="914400" algn="l"/>
+                <a:tab pos="1828800" algn="l"/>
+                <a:tab pos="2743200" algn="l"/>
+                <a:tab pos="3657600" algn="l"/>
+                <a:tab pos="4572000" algn="l"/>
+                <a:tab pos="5486400" algn="l"/>
+                <a:tab pos="6400800" algn="l"/>
+                <a:tab pos="7315200" algn="l"/>
+                <a:tab pos="8229600" algn="l"/>
+                <a:tab pos="9144000" algn="l"/>
+                <a:tab pos="10058400" algn="l"/>
+              </a:tabLst>
+              <a:defRPr sz="2000">
+                <a:solidFill>
+                  <a:srgbClr val="000000"/>
+                </a:solidFill>
+                <a:latin typeface="Arial" panose="020B0604020202020204" pitchFamily="34" charset="0"/>
+              </a:defRPr>
+            </a:lvl7pPr>
+            <a:lvl8pPr marL="3429000" indent="-228600" eaLnBrk="0" fontAlgn="base" hangingPunct="0">
+              <a:spcBef>
+                <a:spcPct val="20000"/>
+              </a:spcBef>
+              <a:spcAft>
+                <a:spcPct val="0"/>
+              </a:spcAft>
+              <a:buChar char="»"/>
+              <a:tabLst>
+                <a:tab pos="0" algn="l"/>
+                <a:tab pos="914400" algn="l"/>
+                <a:tab pos="1828800" algn="l"/>
+                <a:tab pos="2743200" algn="l"/>
+                <a:tab pos="3657600" algn="l"/>
+                <a:tab pos="4572000" algn="l"/>
+                <a:tab pos="5486400" algn="l"/>
+                <a:tab pos="6400800" algn="l"/>
+                <a:tab pos="7315200" algn="l"/>
+                <a:tab pos="8229600" algn="l"/>
+                <a:tab pos="9144000" algn="l"/>
+                <a:tab pos="10058400" algn="l"/>
+              </a:tabLst>
+              <a:defRPr sz="2000">
+                <a:solidFill>
+                  <a:srgbClr val="000000"/>
+                </a:solidFill>
+                <a:latin typeface="Arial" panose="020B0604020202020204" pitchFamily="34" charset="0"/>
+              </a:defRPr>
+            </a:lvl8pPr>
+            <a:lvl9pPr marL="3886200" indent="-228600" eaLnBrk="0" fontAlgn="base" hangingPunct="0">
+              <a:spcBef>
+                <a:spcPct val="20000"/>
+              </a:spcBef>
+              <a:spcAft>
+                <a:spcPct val="0"/>
+              </a:spcAft>
+              <a:buChar char="»"/>
+              <a:tabLst>
+                <a:tab pos="0" algn="l"/>
+                <a:tab pos="914400" algn="l"/>
+                <a:tab pos="1828800" algn="l"/>
+                <a:tab pos="2743200" algn="l"/>
+                <a:tab pos="3657600" algn="l"/>
+                <a:tab pos="4572000" algn="l"/>
+                <a:tab pos="5486400" algn="l"/>
+                <a:tab pos="6400800" algn="l"/>
+                <a:tab pos="7315200" algn="l"/>
+                <a:tab pos="8229600" algn="l"/>
+                <a:tab pos="9144000" algn="l"/>
+                <a:tab pos="10058400" algn="l"/>
+              </a:tabLst>
+              <a:defRPr sz="2000">
+                <a:solidFill>
+                  <a:srgbClr val="000000"/>
+                </a:solidFill>
+                <a:latin typeface="Arial" panose="020B0604020202020204" pitchFamily="34" charset="0"/>
+              </a:defRPr>
+            </a:lvl9pPr>
+          </a:lstStyle>
+          <a:p>
+            <a:pPr algn="ctr" eaLnBrk="1" hangingPunct="1">
+              <a:spcBef>
+                <a:spcPct val="0"/>
+              </a:spcBef>
+              <a:buFontTx/>
+              <a:buNone/>
+            </a:pPr>
+            <a:r>
+              <a:rPr lang="en-GB" altLang="en-US" sz="4400"/>
+              <a:t>Questions/Discussion</a:t>
+            </a:r>
+          </a:p>
+        </p:txBody>
+      </p:sp>
+      <p:sp>
+        <p:nvSpPr>
+          <p:cNvPr id="30723" name="Text Box 2"/>
+          <p:cNvSpPr txBox="1">
+            <a:spLocks noChangeArrowheads="1"/>
+          </p:cNvSpPr>
+          <p:nvPr/>
+        </p:nvSpPr>
+        <p:spPr bwMode="auto">
+          <a:xfrm>
+            <a:off x="685800" y="1981200"/>
+            <a:ext cx="7772400" cy="4114800"/>
+          </a:xfrm>
+          <a:prstGeom prst="rect">
+            <a:avLst/>
+          </a:prstGeom>
+          <a:noFill/>
+          <a:ln>
+            <a:noFill/>
+          </a:ln>
+          <a:extLst>
+            <a:ext uri="{909E8E84-426E-40DD-AFC4-6F175D3DCCD1}">
+              <a14:hiddenFill xmlns:a14="http://schemas.microsoft.com/office/drawing/2010/main">
+                <a:solidFill>
+                  <a:srgbClr val="FFFFFF"/>
+                </a:solidFill>
+              </a14:hiddenFill>
+            </a:ext>
+            <a:ext uri="{91240B29-F687-4F45-9708-019B960494DF}">
+              <a14:hiddenLine xmlns:a14="http://schemas.microsoft.com/office/drawing/2010/main" w="9525">
+                <a:solidFill>
+                  <a:srgbClr val="000000"/>
+                </a:solidFill>
+                <a:round/>
+                <a:headEnd/>
+                <a:tailEnd/>
+              </a14:hiddenLine>
+            </a:ext>
+          </a:extLst>
+        </p:spPr>
+        <p:txBody>
+          <a:bodyPr wrap="none" anchor="ctr"/>
+          <a:lstStyle>
+            <a:lvl1pPr>
+              <a:spcBef>
+                <a:spcPct val="20000"/>
+              </a:spcBef>
+              <a:buBlip>
+                <a:blip r:embed="rId3"/>
+              </a:buBlip>
+              <a:defRPr sz="3200">
+                <a:solidFill>
+                  <a:srgbClr val="000000"/>
+                </a:solidFill>
+                <a:latin typeface="Arial" panose="020B0604020202020204" pitchFamily="34" charset="0"/>
+              </a:defRPr>
+            </a:lvl1pPr>
+            <a:lvl2pPr marL="742950" indent="-285750">
+              <a:spcBef>
+                <a:spcPct val="20000"/>
+              </a:spcBef>
+              <a:buFont typeface="Wingdings 3" panose="05040102010807070707" pitchFamily="18" charset="2"/>
+              <a:buChar char="w"/>
+              <a:defRPr sz="2800">
+                <a:solidFill>
+                  <a:srgbClr val="000000"/>
+                </a:solidFill>
+                <a:latin typeface="Arial" panose="020B0604020202020204" pitchFamily="34" charset="0"/>
+              </a:defRPr>
+            </a:lvl2pPr>
+            <a:lvl3pPr marL="1143000" indent="-228600">
+              <a:spcBef>
+                <a:spcPct val="20000"/>
+              </a:spcBef>
+              <a:buChar char="•"/>
+              <a:defRPr sz="2400">
+                <a:solidFill>
+                  <a:srgbClr val="000000"/>
+                </a:solidFill>
+                <a:latin typeface="Arial" panose="020B0604020202020204" pitchFamily="34" charset="0"/>
+              </a:defRPr>
+            </a:lvl3pPr>
+            <a:lvl4pPr marL="1600200" indent="-228600">
+              <a:spcBef>
+                <a:spcPct val="20000"/>
+              </a:spcBef>
+              <a:buChar char="–"/>
+              <a:defRPr sz="2000">
+                <a:solidFill>
+                  <a:srgbClr val="000000"/>
+                </a:solidFill>
+                <a:latin typeface="Arial" panose="020B0604020202020204" pitchFamily="34" charset="0"/>
+              </a:defRPr>
+            </a:lvl4pPr>
+            <a:lvl5pPr marL="2057400" indent="-228600">
+              <a:spcBef>
+                <a:spcPct val="20000"/>
+              </a:spcBef>
+              <a:buChar char="»"/>
+              <a:defRPr sz="2000">
+                <a:solidFill>
+                  <a:srgbClr val="000000"/>
+                </a:solidFill>
+                <a:latin typeface="Arial" panose="020B0604020202020204" pitchFamily="34" charset="0"/>
+              </a:defRPr>
+            </a:lvl5pPr>
+            <a:lvl6pPr marL="2514600" indent="-228600" eaLnBrk="0" fontAlgn="base" hangingPunct="0">
+              <a:spcBef>
+                <a:spcPct val="20000"/>
+              </a:spcBef>
+              <a:spcAft>
+                <a:spcPct val="0"/>
+              </a:spcAft>
+              <a:buChar char="»"/>
+              <a:defRPr sz="2000">
+                <a:solidFill>
+                  <a:srgbClr val="000000"/>
+                </a:solidFill>
+                <a:latin typeface="Arial" panose="020B0604020202020204" pitchFamily="34" charset="0"/>
+              </a:defRPr>
+            </a:lvl6pPr>
+            <a:lvl7pPr marL="2971800" indent="-228600" eaLnBrk="0" fontAlgn="base" hangingPunct="0">
+              <a:spcBef>
+                <a:spcPct val="20000"/>
+              </a:spcBef>
+              <a:spcAft>
+                <a:spcPct val="0"/>
+              </a:spcAft>
+              <a:buChar char="»"/>
+              <a:defRPr sz="2000">
+                <a:solidFill>
+                  <a:srgbClr val="000000"/>
+                </a:solidFill>
+                <a:latin typeface="Arial" panose="020B0604020202020204" pitchFamily="34" charset="0"/>
+              </a:defRPr>
+            </a:lvl7pPr>
+            <a:lvl8pPr marL="3429000" indent="-228600" eaLnBrk="0" fontAlgn="base" hangingPunct="0">
+              <a:spcBef>
+                <a:spcPct val="20000"/>
+              </a:spcBef>
+              <a:spcAft>
+                <a:spcPct val="0"/>
+              </a:spcAft>
+              <a:buChar char="»"/>
+              <a:defRPr sz="2000">
+                <a:solidFill>
+                  <a:srgbClr val="000000"/>
+                </a:solidFill>
+                <a:latin typeface="Arial" panose="020B0604020202020204" pitchFamily="34" charset="0"/>
+              </a:defRPr>
+            </a:lvl8pPr>
+            <a:lvl9pPr marL="3886200" indent="-228600" eaLnBrk="0" fontAlgn="base" hangingPunct="0">
+              <a:spcBef>
+                <a:spcPct val="20000"/>
+              </a:spcBef>
+              <a:spcAft>
+                <a:spcPct val="0"/>
+              </a:spcAft>
+              <a:buChar char="»"/>
+              <a:defRPr sz="2000">
+                <a:solidFill>
+                  <a:srgbClr val="000000"/>
+                </a:solidFill>
+                <a:latin typeface="Arial" panose="020B0604020202020204" pitchFamily="34" charset="0"/>
+              </a:defRPr>
+            </a:lvl9pPr>
+          </a:lstStyle>
+          <a:p>
+            <a:pPr>
+              <a:spcBef>
+                <a:spcPct val="0"/>
+              </a:spcBef>
+              <a:buFontTx/>
+              <a:buNone/>
+            </a:pPr>
+            <a:endParaRPr lang="en-US" altLang="en-US" sz="2400">
+              <a:solidFill>
+                <a:schemeClr val="tx1"/>
+              </a:solidFill>
+              <a:latin typeface="Times New Roman" panose="02020603050405020304" pitchFamily="18" charset="0"/>
+            </a:endParaRPr>
           </a:p>
         </p:txBody>
       </p:sp>
@@ -8903,7 +9609,7 @@
         <p:spPr/>
         <p:txBody>
           <a:bodyPr>
-            <a:normAutofit fontScale="85000" lnSpcReduction="20000"/>
+            <a:normAutofit/>
           </a:bodyPr>
           <a:lstStyle/>
           <a:p>
@@ -8912,8 +9618,30 @@
             </a:pPr>
             <a:r>
               <a:rPr lang="en-GB" dirty="0" smtClean="0"/>
-              <a:t>The DOM (Document Object Model) is an interface to the web document provided by the browser manufacturer. Within this model, each element in the HTML document becomes an Object. In order to work with the browser and documents, JavaScript uses a hierarchical tree structure of parent and child Objects. The main object is the Document Object, which in turn contains several other child objects. Each Object or element in the document is called a Node in the DOM</a:t>
-            </a:r>
+              <a:t>The DOM (Document Object Model) is an interface to the web document provided by the browser </a:t>
+            </a:r>
+            <a:r>
+              <a:rPr lang="en-GB" dirty="0" smtClean="0"/>
+              <a:t>manufacturer</a:t>
+            </a:r>
+          </a:p>
+          <a:p>
+            <a:pPr>
+              <a:defRPr/>
+            </a:pPr>
+            <a:r>
+              <a:rPr lang="en-GB" dirty="0" smtClean="0"/>
+              <a:t>Within </a:t>
+            </a:r>
+            <a:r>
+              <a:rPr lang="en-GB" dirty="0" smtClean="0"/>
+              <a:t>this model, each element in the HTML document becomes an </a:t>
+            </a:r>
+            <a:r>
+              <a:rPr lang="en-GB" dirty="0" smtClean="0"/>
+              <a:t>Object</a:t>
+            </a:r>
+            <a:endParaRPr lang="en-GB" dirty="0" smtClean="0"/>
           </a:p>
         </p:txBody>
       </p:sp>
@@ -8944,7 +9672,7 @@
       </p:grpSpPr>
       <p:sp>
         <p:nvSpPr>
-          <p:cNvPr id="14338" name="Title 1"/>
+          <p:cNvPr id="2" name="Title 1"/>
           <p:cNvSpPr>
             <a:spLocks noGrp="1"/>
           </p:cNvSpPr>
@@ -8958,9 +9686,10 @@
           <a:lstStyle/>
           <a:p>
             <a:r>
-              <a:rPr lang="en-GB" altLang="en-US" smtClean="0"/>
-              <a:t>Tree Structure</a:t>
-            </a:r>
+              <a:rPr lang="en-GB" dirty="0" smtClean="0"/>
+              <a:t>Nodes</a:t>
+            </a:r>
+            <a:endParaRPr lang="en-GB" dirty="0"/>
           </a:p>
         </p:txBody>
       </p:sp>
@@ -8977,29 +9706,54 @@
         <p:spPr/>
         <p:txBody>
           <a:bodyPr>
-            <a:normAutofit fontScale="92500" lnSpcReduction="20000"/>
+            <a:normAutofit fontScale="92500"/>
           </a:bodyPr>
           <a:lstStyle/>
           <a:p>
-            <a:pPr>
-              <a:defRPr/>
-            </a:pPr>
+            <a:r>
+              <a:rPr lang="en-GB" dirty="0"/>
+              <a:t>In order to work with the browser and documents, JavaScript uses a hierarchical tree structure of parent and child </a:t>
+            </a:r>
             <a:r>
               <a:rPr lang="en-GB" dirty="0" smtClean="0"/>
-              <a:t>The DOM represents a document as a hierarchical tree of nodes, which can have parents, children, and siblings and this determines by its position in the tree structure. There are several node types in the tree, each representing different information or </a:t>
-            </a:r>
-            <a:r>
-              <a:rPr lang="en-GB" dirty="0" err="1" smtClean="0"/>
-              <a:t>markup</a:t>
-            </a:r>
+              <a:t>Objects</a:t>
+            </a:r>
+          </a:p>
+          <a:p>
             <a:r>
               <a:rPr lang="en-GB" dirty="0" smtClean="0"/>
-              <a:t> in the HTML document. Each node type has different properties, methods, data, events, and each may have relationships with other nodes</a:t>
-            </a:r>
+              <a:t>The </a:t>
+            </a:r>
+            <a:r>
+              <a:rPr lang="en-GB" dirty="0"/>
+              <a:t>main object is the Document Object, which in turn contains several other child </a:t>
+            </a:r>
+            <a:r>
+              <a:rPr lang="en-GB" dirty="0" smtClean="0"/>
+              <a:t>objects</a:t>
+            </a:r>
+          </a:p>
+          <a:p>
+            <a:r>
+              <a:rPr lang="en-GB" dirty="0" smtClean="0"/>
+              <a:t>Each </a:t>
+            </a:r>
+            <a:r>
+              <a:rPr lang="en-GB" dirty="0"/>
+              <a:t>Object or element in the document is called a Node in the DOM</a:t>
+            </a:r>
+          </a:p>
+          <a:p>
+            <a:endParaRPr lang="en-GB" dirty="0"/>
           </a:p>
         </p:txBody>
       </p:sp>
     </p:spTree>
+    <p:extLst>
+      <p:ext uri="{BB962C8B-B14F-4D97-AF65-F5344CB8AC3E}">
+        <p14:creationId xmlns:p14="http://schemas.microsoft.com/office/powerpoint/2010/main" val="1826852169"/>
+      </p:ext>
+    </p:extLst>
   </p:cSld>
   <p:clrMapOvr>
     <a:masterClrMapping/>
@@ -9026,7 +9780,7 @@
       </p:grpSpPr>
       <p:sp>
         <p:nvSpPr>
-          <p:cNvPr id="15362" name="Title 1"/>
+          <p:cNvPr id="2" name="Title 1"/>
           <p:cNvSpPr>
             <a:spLocks noGrp="1"/>
           </p:cNvSpPr>
@@ -9040,9 +9794,10 @@
           <a:lstStyle/>
           <a:p>
             <a:r>
-              <a:rPr lang="en-GB" altLang="en-US" smtClean="0"/>
-              <a:t>HTML Document</a:t>
-            </a:r>
+              <a:rPr lang="en-GB" dirty="0" smtClean="0"/>
+              <a:t>Question</a:t>
+            </a:r>
+            <a:endParaRPr lang="en-GB" dirty="0"/>
           </a:p>
         </p:txBody>
       </p:sp>
@@ -9058,22 +9813,23 @@
         </p:nvSpPr>
         <p:spPr/>
         <p:txBody>
-          <a:bodyPr>
-            <a:normAutofit fontScale="92500" lnSpcReduction="20000"/>
-          </a:bodyPr>
+          <a:bodyPr/>
           <a:lstStyle/>
           <a:p>
-            <a:pPr>
-              <a:defRPr/>
-            </a:pPr>
             <a:r>
               <a:rPr lang="en-GB" dirty="0" smtClean="0"/>
-              <a:t>The Document Object Model provides a uniform representation of the HTML document, and it achieves this by representing the entire HTML document as a tree structure. When a web page is loaded in the browser, it creates a Document Object Model of the web page. Each and every single element in the document will have a corresponding presence in the DOM.</a:t>
-            </a:r>
+              <a:t>What does DOM stand for?</a:t>
+            </a:r>
+            <a:endParaRPr lang="en-GB" dirty="0"/>
           </a:p>
         </p:txBody>
       </p:sp>
     </p:spTree>
+    <p:extLst>
+      <p:ext uri="{BB962C8B-B14F-4D97-AF65-F5344CB8AC3E}">
+        <p14:creationId xmlns:p14="http://schemas.microsoft.com/office/powerpoint/2010/main" val="1294756782"/>
+      </p:ext>
+    </p:extLst>
   </p:cSld>
   <p:clrMapOvr>
     <a:masterClrMapping/>
@@ -9100,7 +9856,7 @@
       </p:grpSpPr>
       <p:sp>
         <p:nvSpPr>
-          <p:cNvPr id="16386" name="Title 1"/>
+          <p:cNvPr id="2" name="Title 1"/>
           <p:cNvSpPr>
             <a:spLocks noGrp="1"/>
           </p:cNvSpPr>
@@ -9114,15 +9870,16 @@
           <a:lstStyle/>
           <a:p>
             <a:r>
-              <a:rPr lang="en-GB" altLang="en-US" smtClean="0"/>
-              <a:t>Example</a:t>
-            </a:r>
+              <a:rPr lang="en-GB" dirty="0" smtClean="0"/>
+              <a:t>Answer</a:t>
+            </a:r>
+            <a:endParaRPr lang="en-GB" dirty="0"/>
           </a:p>
         </p:txBody>
       </p:sp>
       <p:sp>
         <p:nvSpPr>
-          <p:cNvPr id="16387" name="Content Placeholder 2"/>
+          <p:cNvPr id="3" name="Content Placeholder 2"/>
           <p:cNvSpPr>
             <a:spLocks noGrp="1"/>
           </p:cNvSpPr>
@@ -9135,65 +9892,24 @@
           <a:bodyPr/>
           <a:lstStyle/>
           <a:p>
-            <a:endParaRPr lang="en-US" altLang="en-US" smtClean="0"/>
+            <a:r>
+              <a:rPr lang="en-GB" dirty="0"/>
+              <a:t>DOM (Document Object Model</a:t>
+            </a:r>
+            <a:r>
+              <a:rPr lang="en-GB" dirty="0" smtClean="0"/>
+              <a:t>)</a:t>
+            </a:r>
+            <a:endParaRPr lang="en-GB" dirty="0"/>
           </a:p>
         </p:txBody>
       </p:sp>
-      <p:pic>
-        <p:nvPicPr>
-          <p:cNvPr id="16388" name="Picture 3"/>
-          <p:cNvPicPr>
-            <a:picLocks noChangeAspect="1"/>
-          </p:cNvPicPr>
-          <p:nvPr/>
-        </p:nvPicPr>
-        <p:blipFill>
-          <a:blip r:embed="rId2">
-            <a:extLst>
-              <a:ext uri="{28A0092B-C50C-407E-A947-70E740481C1C}">
-                <a14:useLocalDpi xmlns:a14="http://schemas.microsoft.com/office/drawing/2010/main" val="0"/>
-              </a:ext>
-            </a:extLst>
-          </a:blip>
-          <a:srcRect/>
-          <a:stretch>
-            <a:fillRect/>
-          </a:stretch>
-        </p:blipFill>
-        <p:spPr bwMode="auto">
-          <a:xfrm>
-            <a:off x="769938" y="1751013"/>
-            <a:ext cx="7600950" cy="3648075"/>
-          </a:xfrm>
-          <a:prstGeom prst="rect">
-            <a:avLst/>
-          </a:prstGeom>
-          <a:noFill/>
-          <a:ln>
-            <a:noFill/>
-          </a:ln>
-          <a:extLst>
-            <a:ext uri="{909E8E84-426E-40DD-AFC4-6F175D3DCCD1}">
-              <a14:hiddenFill xmlns:a14="http://schemas.microsoft.com/office/drawing/2010/main">
-                <a:solidFill>
-                  <a:srgbClr val="FFFFFF"/>
-                </a:solidFill>
-              </a14:hiddenFill>
-            </a:ext>
-            <a:ext uri="{91240B29-F687-4F45-9708-019B960494DF}">
-              <a14:hiddenLine xmlns:a14="http://schemas.microsoft.com/office/drawing/2010/main" w="9525">
-                <a:solidFill>
-                  <a:srgbClr val="000000"/>
-                </a:solidFill>
-                <a:miter lim="800000"/>
-                <a:headEnd/>
-                <a:tailEnd/>
-              </a14:hiddenLine>
-            </a:ext>
-          </a:extLst>
-        </p:spPr>
-      </p:pic>
     </p:spTree>
+    <p:extLst>
+      <p:ext uri="{BB962C8B-B14F-4D97-AF65-F5344CB8AC3E}">
+        <p14:creationId xmlns:p14="http://schemas.microsoft.com/office/powerpoint/2010/main" val="1154007650"/>
+      </p:ext>
+    </p:extLst>
   </p:cSld>
   <p:clrMapOvr>
     <a:masterClrMapping/>
@@ -9220,7 +9936,7 @@
       </p:grpSpPr>
       <p:sp>
         <p:nvSpPr>
-          <p:cNvPr id="17410" name="Title 1"/>
+          <p:cNvPr id="14338" name="Title 1"/>
           <p:cNvSpPr>
             <a:spLocks noGrp="1"/>
           </p:cNvSpPr>
@@ -9235,14 +9951,14 @@
           <a:p>
             <a:r>
               <a:rPr lang="en-GB" altLang="en-US" smtClean="0"/>
-              <a:t>Document Object Model</a:t>
+              <a:t>Tree Structure</a:t>
             </a:r>
           </a:p>
         </p:txBody>
       </p:sp>
       <p:sp>
         <p:nvSpPr>
-          <p:cNvPr id="17411" name="Content Placeholder 2"/>
+          <p:cNvPr id="3" name="Content Placeholder 2"/>
           <p:cNvSpPr>
             <a:spLocks noGrp="1"/>
           </p:cNvSpPr>
@@ -9252,67 +9968,25 @@
         </p:nvSpPr>
         <p:spPr/>
         <p:txBody>
-          <a:bodyPr/>
+          <a:bodyPr>
+            <a:normAutofit/>
+          </a:bodyPr>
           <a:lstStyle/>
           <a:p>
-            <a:endParaRPr lang="en-US" altLang="en-US" smtClean="0"/>
+            <a:pPr>
+              <a:defRPr/>
+            </a:pPr>
+            <a:r>
+              <a:rPr lang="en-GB" dirty="0" smtClean="0"/>
+              <a:t>The DOM represents a document as a hierarchical tree of nodes, which can have parents, children, and siblings and this determines by its position in the tree </a:t>
+            </a:r>
+            <a:r>
+              <a:rPr lang="en-GB" dirty="0" smtClean="0"/>
+              <a:t>structure</a:t>
+            </a:r>
           </a:p>
         </p:txBody>
       </p:sp>
-      <p:pic>
-        <p:nvPicPr>
-          <p:cNvPr id="17412" name="Picture 2" descr="Javascript Document Object Model"/>
-          <p:cNvPicPr>
-            <a:picLocks noChangeAspect="1" noChangeArrowheads="1"/>
-          </p:cNvPicPr>
-          <p:nvPr/>
-        </p:nvPicPr>
-        <p:blipFill>
-          <a:blip r:embed="rId2">
-            <a:extLst>
-              <a:ext uri="{28A0092B-C50C-407E-A947-70E740481C1C}">
-                <a14:useLocalDpi xmlns:a14="http://schemas.microsoft.com/office/drawing/2010/main" val="0"/>
-              </a:ext>
-            </a:extLst>
-          </a:blip>
-          <a:srcRect/>
-          <a:stretch>
-            <a:fillRect/>
-          </a:stretch>
-        </p:blipFill>
-        <p:spPr bwMode="auto">
-          <a:xfrm>
-            <a:off x="1331913" y="1768475"/>
-            <a:ext cx="6238875" cy="4725988"/>
-          </a:xfrm>
-          <a:prstGeom prst="rect">
-            <a:avLst/>
-          </a:prstGeom>
-          <a:noFill/>
-          <a:ln>
-            <a:noFill/>
-          </a:ln>
-          <a:extLst>
-            <a:ext uri="{909E8E84-426E-40DD-AFC4-6F175D3DCCD1}">
-              <a14:hiddenFill xmlns:a14="http://schemas.microsoft.com/office/drawing/2010/main">
-                <a:solidFill>
-                  <a:srgbClr val="FFFFFF"/>
-                </a:solidFill>
-              </a14:hiddenFill>
-            </a:ext>
-            <a:ext uri="{91240B29-F687-4F45-9708-019B960494DF}">
-              <a14:hiddenLine xmlns:a14="http://schemas.microsoft.com/office/drawing/2010/main" w="9525">
-                <a:solidFill>
-                  <a:srgbClr val="000000"/>
-                </a:solidFill>
-                <a:miter lim="800000"/>
-                <a:headEnd/>
-                <a:tailEnd/>
-              </a14:hiddenLine>
-            </a:ext>
-          </a:extLst>
-        </p:spPr>
-      </p:pic>
     </p:spTree>
   </p:cSld>
   <p:clrMapOvr>
@@ -9340,7 +10014,7 @@
       </p:grpSpPr>
       <p:sp>
         <p:nvSpPr>
-          <p:cNvPr id="18434" name="Title 1"/>
+          <p:cNvPr id="2" name="Title 1"/>
           <p:cNvSpPr>
             <a:spLocks noGrp="1"/>
           </p:cNvSpPr>
@@ -9354,15 +10028,16 @@
           <a:lstStyle/>
           <a:p>
             <a:r>
-              <a:rPr lang="en-GB" altLang="en-US" smtClean="0"/>
-              <a:t>Nodes</a:t>
-            </a:r>
+              <a:rPr lang="en-GB" dirty="0" smtClean="0"/>
+              <a:t>Node Types</a:t>
+            </a:r>
+            <a:endParaRPr lang="en-GB" dirty="0"/>
           </a:p>
         </p:txBody>
       </p:sp>
       <p:sp>
         <p:nvSpPr>
-          <p:cNvPr id="18435" name="Content Placeholder 2"/>
+          <p:cNvPr id="3" name="Content Placeholder 2"/>
           <p:cNvSpPr>
             <a:spLocks noGrp="1"/>
           </p:cNvSpPr>
@@ -9376,13 +10051,40 @@
           <a:lstStyle/>
           <a:p>
             <a:r>
-              <a:rPr lang="en-GB" altLang="en-US" smtClean="0"/>
-              <a:t>Nodes within the DOM are represented by array-like node lists and the individual nodes themselves can be accessed via their index. Using the above tree of nodes, you can access any element in the DOM</a:t>
+              <a:rPr lang="en-GB" dirty="0"/>
+              <a:t>There are several node types in the tree, each representing different information or </a:t>
+            </a:r>
+            <a:r>
+              <a:rPr lang="en-GB" dirty="0" err="1"/>
+              <a:t>markup</a:t>
+            </a:r>
+            <a:r>
+              <a:rPr lang="en-GB" dirty="0"/>
+              <a:t> in the HTML </a:t>
+            </a:r>
+            <a:r>
+              <a:rPr lang="en-GB" dirty="0" smtClean="0"/>
+              <a:t>document</a:t>
+            </a:r>
+          </a:p>
+          <a:p>
+            <a:r>
+              <a:rPr lang="en-GB" dirty="0" smtClean="0"/>
+              <a:t>Each </a:t>
+            </a:r>
+            <a:r>
+              <a:rPr lang="en-GB" dirty="0"/>
+              <a:t>node type has different properties, methods, data, events, and each may have relationships with other nodes</a:t>
             </a:r>
           </a:p>
         </p:txBody>
       </p:sp>
     </p:spTree>
+    <p:extLst>
+      <p:ext uri="{BB962C8B-B14F-4D97-AF65-F5344CB8AC3E}">
+        <p14:creationId xmlns:p14="http://schemas.microsoft.com/office/powerpoint/2010/main" val="3486978803"/>
+      </p:ext>
+    </p:extLst>
   </p:cSld>
   <p:clrMapOvr>
     <a:masterClrMapping/>
@@ -9409,7 +10111,7 @@
       </p:grpSpPr>
       <p:sp>
         <p:nvSpPr>
-          <p:cNvPr id="19458" name="Title 1"/>
+          <p:cNvPr id="15362" name="Title 1"/>
           <p:cNvSpPr>
             <a:spLocks noGrp="1"/>
           </p:cNvSpPr>
@@ -9424,7 +10126,7 @@
           <a:p>
             <a:r>
               <a:rPr lang="en-GB" altLang="en-US" smtClean="0"/>
-              <a:t>Example</a:t>
+              <a:t>HTML Document</a:t>
             </a:r>
           </a:p>
         </p:txBody>
@@ -9442,7 +10144,7 @@
         <p:spPr/>
         <p:txBody>
           <a:bodyPr>
-            <a:normAutofit fontScale="85000" lnSpcReduction="20000"/>
+            <a:normAutofit fontScale="85000" lnSpcReduction="10000"/>
           </a:bodyPr>
           <a:lstStyle/>
           <a:p>
@@ -9450,14 +10152,13 @@
               <a:defRPr/>
             </a:pPr>
             <a:r>
-              <a:rPr lang="en-GB" b="1" dirty="0" err="1" smtClean="0"/>
-              <a:t>document.childNodes</a:t>
-            </a:r>
-            <a:r>
-              <a:rPr lang="en-GB" b="1" dirty="0" smtClean="0"/>
-              <a:t>[1]</a:t>
-            </a:r>
-            <a:endParaRPr lang="en-GB" dirty="0" smtClean="0"/>
+              <a:rPr lang="en-GB" dirty="0" smtClean="0"/>
+              <a:t>The Document Object Model provides a uniform representation of the HTML document, and it achieves this by representing the entire HTML document as a tree </a:t>
+            </a:r>
+            <a:r>
+              <a:rPr lang="en-GB" dirty="0" smtClean="0"/>
+              <a:t>structure</a:t>
+            </a:r>
           </a:p>
           <a:p>
             <a:pPr>
@@ -9465,15 +10166,15 @@
             </a:pPr>
             <a:r>
               <a:rPr lang="en-GB" dirty="0" smtClean="0"/>
-              <a:t>represents the </a:t>
-            </a:r>
-            <a:r>
-              <a:rPr lang="en-GB" dirty="0" err="1" smtClean="0"/>
-              <a:t>HTMLElment</a:t>
+              <a:t>When </a:t>
             </a:r>
             <a:r>
               <a:rPr lang="en-GB" dirty="0" smtClean="0"/>
-              <a:t>, that is &lt; html &gt; tag.</a:t>
+              <a:t>a web page is loaded in the browser, it creates a Document Object Model of the web </a:t>
+            </a:r>
+            <a:r>
+              <a:rPr lang="en-GB" dirty="0" smtClean="0"/>
+              <a:t>page</a:t>
             </a:r>
           </a:p>
           <a:p>
@@ -9481,91 +10182,17 @@
               <a:defRPr/>
             </a:pPr>
             <a:r>
-              <a:rPr lang="en-GB" b="1" dirty="0" err="1" smtClean="0"/>
-              <a:t>document.childNodes</a:t>
-            </a:r>
-            <a:r>
-              <a:rPr lang="en-GB" b="1" dirty="0" smtClean="0"/>
-              <a:t>[1].</a:t>
-            </a:r>
-            <a:r>
-              <a:rPr lang="en-GB" b="1" dirty="0" err="1" smtClean="0"/>
-              <a:t>childNodes</a:t>
-            </a:r>
-            <a:r>
-              <a:rPr lang="en-GB" b="1" dirty="0" smtClean="0"/>
-              <a:t>[1]</a:t>
-            </a:r>
-            <a:endParaRPr lang="en-GB" dirty="0" smtClean="0"/>
-          </a:p>
-          <a:p>
-            <a:pPr>
-              <a:defRPr/>
-            </a:pPr>
-            <a:r>
               <a:rPr lang="en-GB" dirty="0" smtClean="0"/>
-              <a:t>represents </a:t>
-            </a:r>
-            <a:r>
-              <a:rPr lang="en-GB" dirty="0" err="1" smtClean="0"/>
-              <a:t>HTMLBOdyElement</a:t>
+              <a:t>Each </a:t>
             </a:r>
             <a:r>
               <a:rPr lang="en-GB" dirty="0" smtClean="0"/>
-              <a:t>, that is &lt; body &gt; tag.</a:t>
-            </a:r>
-          </a:p>
-          <a:p>
-            <a:pPr>
-              <a:defRPr/>
-            </a:pPr>
-            <a:r>
-              <a:rPr lang="en-GB" b="1" dirty="0" err="1" smtClean="0"/>
-              <a:t>document.childNodes</a:t>
-            </a:r>
-            <a:r>
-              <a:rPr lang="en-GB" b="1" dirty="0" smtClean="0"/>
-              <a:t>[1].</a:t>
-            </a:r>
-            <a:r>
-              <a:rPr lang="en-GB" b="1" dirty="0" err="1" smtClean="0"/>
-              <a:t>childNodes</a:t>
-            </a:r>
-            <a:r>
-              <a:rPr lang="en-GB" b="1" dirty="0" smtClean="0"/>
-              <a:t>[1].</a:t>
-            </a:r>
-            <a:r>
-              <a:rPr lang="en-GB" b="1" dirty="0" err="1" smtClean="0"/>
-              <a:t>childNodes</a:t>
-            </a:r>
-            <a:r>
-              <a:rPr lang="en-GB" b="1" dirty="0" smtClean="0"/>
-              <a:t>[1]</a:t>
-            </a:r>
-            <a:endParaRPr lang="en-GB" dirty="0" smtClean="0"/>
-          </a:p>
-          <a:p>
-            <a:pPr>
-              <a:defRPr/>
-            </a:pPr>
+              <a:t>and every single element in the document will have a corresponding presence in the </a:t>
+            </a:r>
             <a:r>
               <a:rPr lang="en-GB" dirty="0" smtClean="0"/>
-              <a:t>represents </a:t>
-            </a:r>
-            <a:r>
-              <a:rPr lang="en-GB" dirty="0" err="1" smtClean="0"/>
-              <a:t>HTMLHeadingElement</a:t>
-            </a:r>
-            <a:r>
-              <a:rPr lang="en-GB" dirty="0" smtClean="0"/>
-              <a:t>, that is &lt; h1 &gt; tag</a:t>
-            </a:r>
-          </a:p>
-          <a:p>
-            <a:pPr>
-              <a:defRPr/>
-            </a:pPr>
+              <a:t>DOM</a:t>
+            </a:r>
             <a:endParaRPr lang="en-GB" dirty="0" smtClean="0"/>
           </a:p>
         </p:txBody>
